--- a/依然愛我.pptx
+++ b/依然愛我.pptx
@@ -5,10 +5,15 @@
     <p:sldMasterId id="2147483660" r:id="rId1"/>
   </p:sldMasterIdLst>
   <p:sldIdLst>
-    <p:sldId id="257" r:id="rId2"/>
-    <p:sldId id="258" r:id="rId3"/>
-    <p:sldId id="259" r:id="rId4"/>
-    <p:sldId id="260" r:id="rId5"/>
+    <p:sldId id="261" r:id="rId2"/>
+    <p:sldId id="262" r:id="rId3"/>
+    <p:sldId id="263" r:id="rId4"/>
+    <p:sldId id="264" r:id="rId5"/>
+    <p:sldId id="265" r:id="rId6"/>
+    <p:sldId id="266" r:id="rId7"/>
+    <p:sldId id="267" r:id="rId8"/>
+    <p:sldId id="268" r:id="rId9"/>
+    <p:sldId id="269" r:id="rId10"/>
   </p:sldIdLst>
   <p:sldSz cx="9144000" cy="5143500" type="screen16x9"/>
   <p:notesSz cx="6858000" cy="9144000"/>
@@ -107,6 +112,22 @@
       </a:defRPr>
     </a:lvl9pPr>
   </p:defaultTextStyle>
+  <p:extLst>
+    <p:ext uri="{EFAFB233-063F-42B5-8137-9DF3F51BA10A}">
+      <p15:sldGuideLst xmlns:p15="http://schemas.microsoft.com/office/powerpoint/2012/main">
+        <p15:guide id="1" orient="horz" pos="1620">
+          <p15:clr>
+            <a:srgbClr val="A4A3A4"/>
+          </p15:clr>
+        </p15:guide>
+        <p15:guide id="2" pos="2880">
+          <p15:clr>
+            <a:srgbClr val="A4A3A4"/>
+          </p15:clr>
+        </p15:guide>
+      </p15:sldGuideLst>
+    </p:ext>
+  </p:extLst>
 </p:presentation>
 </file>
 
@@ -291,7 +312,7 @@
           <a:p>
             <a:fld id="{1FD5FB33-60C5-4A9F-8E86-E48B5D6B64AF}" type="datetimeFigureOut">
               <a:rPr lang="en-US" smtClean="0"/>
-              <a:t>10/12/2019</a:t>
+              <a:t>6/17/2023</a:t>
             </a:fld>
             <a:endParaRPr lang="en-US"/>
           </a:p>
@@ -456,7 +477,7 @@
           <a:p>
             <a:fld id="{1FD5FB33-60C5-4A9F-8E86-E48B5D6B64AF}" type="datetimeFigureOut">
               <a:rPr lang="en-US" smtClean="0"/>
-              <a:t>10/12/2019</a:t>
+              <a:t>6/17/2023</a:t>
             </a:fld>
             <a:endParaRPr lang="en-US"/>
           </a:p>
@@ -631,7 +652,7 @@
           <a:p>
             <a:fld id="{1FD5FB33-60C5-4A9F-8E86-E48B5D6B64AF}" type="datetimeFigureOut">
               <a:rPr lang="en-US" smtClean="0"/>
-              <a:t>10/12/2019</a:t>
+              <a:t>6/17/2023</a:t>
             </a:fld>
             <a:endParaRPr lang="en-US"/>
           </a:p>
@@ -796,7 +817,7 @@
           <a:p>
             <a:fld id="{1FD5FB33-60C5-4A9F-8E86-E48B5D6B64AF}" type="datetimeFigureOut">
               <a:rPr lang="en-US" smtClean="0"/>
-              <a:t>10/12/2019</a:t>
+              <a:t>6/17/2023</a:t>
             </a:fld>
             <a:endParaRPr lang="en-US"/>
           </a:p>
@@ -1037,7 +1058,7 @@
           <a:p>
             <a:fld id="{1FD5FB33-60C5-4A9F-8E86-E48B5D6B64AF}" type="datetimeFigureOut">
               <a:rPr lang="en-US" smtClean="0"/>
-              <a:t>10/12/2019</a:t>
+              <a:t>6/17/2023</a:t>
             </a:fld>
             <a:endParaRPr lang="en-US"/>
           </a:p>
@@ -1320,7 +1341,7 @@
           <a:p>
             <a:fld id="{1FD5FB33-60C5-4A9F-8E86-E48B5D6B64AF}" type="datetimeFigureOut">
               <a:rPr lang="en-US" smtClean="0"/>
-              <a:t>10/12/2019</a:t>
+              <a:t>6/17/2023</a:t>
             </a:fld>
             <a:endParaRPr lang="en-US"/>
           </a:p>
@@ -1737,7 +1758,7 @@
           <a:p>
             <a:fld id="{1FD5FB33-60C5-4A9F-8E86-E48B5D6B64AF}" type="datetimeFigureOut">
               <a:rPr lang="en-US" smtClean="0"/>
-              <a:t>10/12/2019</a:t>
+              <a:t>6/17/2023</a:t>
             </a:fld>
             <a:endParaRPr lang="en-US"/>
           </a:p>
@@ -1850,7 +1871,7 @@
           <a:p>
             <a:fld id="{1FD5FB33-60C5-4A9F-8E86-E48B5D6B64AF}" type="datetimeFigureOut">
               <a:rPr lang="en-US" smtClean="0"/>
-              <a:t>10/12/2019</a:t>
+              <a:t>6/17/2023</a:t>
             </a:fld>
             <a:endParaRPr lang="en-US"/>
           </a:p>
@@ -1940,7 +1961,7 @@
           <a:p>
             <a:fld id="{1FD5FB33-60C5-4A9F-8E86-E48B5D6B64AF}" type="datetimeFigureOut">
               <a:rPr lang="en-US" smtClean="0"/>
-              <a:t>10/12/2019</a:t>
+              <a:t>6/17/2023</a:t>
             </a:fld>
             <a:endParaRPr lang="en-US"/>
           </a:p>
@@ -2212,7 +2233,7 @@
           <a:p>
             <a:fld id="{1FD5FB33-60C5-4A9F-8E86-E48B5D6B64AF}" type="datetimeFigureOut">
               <a:rPr lang="en-US" smtClean="0"/>
-              <a:t>10/12/2019</a:t>
+              <a:t>6/17/2023</a:t>
             </a:fld>
             <a:endParaRPr lang="en-US"/>
           </a:p>
@@ -2464,7 +2485,7 @@
           <a:p>
             <a:fld id="{1FD5FB33-60C5-4A9F-8E86-E48B5D6B64AF}" type="datetimeFigureOut">
               <a:rPr lang="en-US" smtClean="0"/>
-              <a:t>10/12/2019</a:t>
+              <a:t>6/17/2023</a:t>
             </a:fld>
             <a:endParaRPr lang="en-US"/>
           </a:p>
@@ -2677,7 +2698,7 @@
           <a:p>
             <a:fld id="{1FD5FB33-60C5-4A9F-8E86-E48B5D6B64AF}" type="datetimeFigureOut">
               <a:rPr lang="en-US" smtClean="0"/>
-              <a:t>10/12/2019</a:t>
+              <a:t>6/17/2023</a:t>
             </a:fld>
             <a:endParaRPr lang="en-US"/>
           </a:p>
@@ -3049,7 +3070,7 @@
       </p:grpSpPr>
       <p:sp>
         <p:nvSpPr>
-          <p:cNvPr id="2" name="Title 1"/>
+          <p:cNvPr id="4" name="標題 3"/>
           <p:cNvSpPr>
             <a:spLocks noGrp="1"/>
           </p:cNvSpPr>
@@ -3057,148 +3078,76 @@
             <p:ph type="title"/>
           </p:nvPr>
         </p:nvSpPr>
-        <p:spPr/>
-        <p:txBody>
-          <a:bodyPr>
-            <a:normAutofit/>
-          </a:bodyPr>
-          <a:lstStyle/>
-          <a:p>
-            <a:r>
-              <a:rPr lang="zh-CN" altLang="en-US" sz="4000" b="1" dirty="0">
-                <a:latin typeface="Microsoft JhengHei" pitchFamily="34" charset="-120"/>
-                <a:ea typeface="Microsoft JhengHei" pitchFamily="34" charset="-120"/>
-              </a:rPr>
-              <a:t>依</a:t>
-            </a:r>
-            <a:r>
-              <a:rPr lang="zh-CN" altLang="en-US" sz="4000" b="1" dirty="0" smtClean="0">
-                <a:latin typeface="Microsoft JhengHei" pitchFamily="34" charset="-120"/>
-                <a:ea typeface="Microsoft JhengHei" pitchFamily="34" charset="-120"/>
-              </a:rPr>
-              <a:t>然</a:t>
-            </a:r>
-            <a:r>
-              <a:rPr lang="zh-TW" altLang="en-US" sz="4000" b="1" dirty="0">
-                <a:latin typeface="Microsoft JhengHei" pitchFamily="34" charset="-120"/>
-                <a:ea typeface="Microsoft JhengHei" pitchFamily="34" charset="-120"/>
-              </a:rPr>
-              <a:t>愛我</a:t>
-            </a:r>
-            <a:endParaRPr lang="en-US" sz="4000" b="1" dirty="0">
-              <a:latin typeface="Microsoft JhengHei" pitchFamily="34" charset="-120"/>
-              <a:ea typeface="Microsoft JhengHei" pitchFamily="34" charset="-120"/>
-            </a:endParaRPr>
-          </a:p>
-        </p:txBody>
-      </p:sp>
-      <p:sp>
-        <p:nvSpPr>
-          <p:cNvPr id="3" name="Content Placeholder 2"/>
-          <p:cNvSpPr>
-            <a:spLocks noGrp="1"/>
-          </p:cNvSpPr>
-          <p:nvPr>
-            <p:ph idx="1"/>
-          </p:nvPr>
-        </p:nvSpPr>
-        <p:spPr/>
+        <p:spPr>
+          <a:xfrm>
+            <a:off x="0" y="1995686"/>
+            <a:ext cx="9144000" cy="857250"/>
+          </a:xfrm>
+        </p:spPr>
         <p:txBody>
           <a:bodyPr>
             <a:noAutofit/>
           </a:bodyPr>
           <a:lstStyle/>
           <a:p>
-            <a:pPr marL="0" indent="0" algn="ctr">
-              <a:buNone/>
-            </a:pPr>
-            <a:r>
-              <a:rPr lang="zh-TW" altLang="en-US" sz="4800" b="1" dirty="0">
-                <a:latin typeface="Microsoft JhengHei" pitchFamily="34" charset="-120"/>
-                <a:ea typeface="Microsoft JhengHei" pitchFamily="34" charset="-120"/>
-              </a:rPr>
-              <a:t>有時候我不明白 </a:t>
-            </a:r>
-            <a:endParaRPr lang="en-US" altLang="zh-TW" sz="4800" b="1" dirty="0" smtClean="0">
-              <a:latin typeface="Microsoft JhengHei" pitchFamily="34" charset="-120"/>
-              <a:ea typeface="Microsoft JhengHei" pitchFamily="34" charset="-120"/>
-            </a:endParaRPr>
-          </a:p>
-          <a:p>
-            <a:pPr marL="0" indent="0" algn="ctr">
-              <a:buNone/>
-            </a:pPr>
-            <a:r>
-              <a:rPr lang="zh-TW" altLang="en-US" sz="4800" b="1" dirty="0" smtClean="0">
-                <a:latin typeface="Microsoft JhengHei" pitchFamily="34" charset="-120"/>
-                <a:ea typeface="Microsoft JhengHei" pitchFamily="34" charset="-120"/>
-              </a:rPr>
-              <a:t>為</a:t>
-            </a:r>
-            <a:r>
-              <a:rPr lang="zh-TW" altLang="en-US" sz="4800" b="1" dirty="0">
-                <a:latin typeface="Microsoft JhengHei" pitchFamily="34" charset="-120"/>
-                <a:ea typeface="Microsoft JhengHei" pitchFamily="34" charset="-120"/>
-              </a:rPr>
-              <a:t>何苦難在生命中 </a:t>
-            </a:r>
-            <a:endParaRPr lang="en-US" altLang="zh-TW" sz="4800" b="1" dirty="0" smtClean="0">
-              <a:latin typeface="Microsoft JhengHei" pitchFamily="34" charset="-120"/>
-              <a:ea typeface="Microsoft JhengHei" pitchFamily="34" charset="-120"/>
-            </a:endParaRPr>
-          </a:p>
-          <a:p>
-            <a:pPr marL="0" indent="0" algn="ctr">
-              <a:buNone/>
-            </a:pPr>
-            <a:r>
-              <a:rPr lang="zh-TW" altLang="en-US" sz="4800" b="1" dirty="0" smtClean="0">
-                <a:latin typeface="Microsoft JhengHei" pitchFamily="34" charset="-120"/>
-                <a:ea typeface="Microsoft JhengHei" pitchFamily="34" charset="-120"/>
-              </a:rPr>
-              <a:t>為</a:t>
-            </a:r>
-            <a:r>
-              <a:rPr lang="zh-TW" altLang="en-US" sz="4800" b="1" dirty="0">
-                <a:latin typeface="Microsoft JhengHei" pitchFamily="34" charset="-120"/>
-                <a:ea typeface="Microsoft JhengHei" pitchFamily="34" charset="-120"/>
-              </a:rPr>
-              <a:t>何你不將它挪去 </a:t>
-            </a:r>
-            <a:endParaRPr lang="en-US" altLang="zh-TW" sz="4800" b="1" dirty="0" smtClean="0">
-              <a:latin typeface="Microsoft JhengHei" pitchFamily="34" charset="-120"/>
-              <a:ea typeface="Microsoft JhengHei" pitchFamily="34" charset="-120"/>
-            </a:endParaRPr>
-          </a:p>
-          <a:p>
-            <a:pPr marL="0" indent="0" algn="ctr">
-              <a:buNone/>
-            </a:pPr>
-            <a:r>
-              <a:rPr lang="zh-TW" altLang="en-US" sz="4800" b="1" dirty="0" smtClean="0">
-                <a:latin typeface="Microsoft JhengHei" pitchFamily="34" charset="-120"/>
-                <a:ea typeface="Microsoft JhengHei" pitchFamily="34" charset="-120"/>
-              </a:rPr>
-              <a:t>漫</a:t>
-            </a:r>
-            <a:r>
-              <a:rPr lang="zh-TW" altLang="en-US" sz="4800" b="1" dirty="0">
-                <a:latin typeface="Microsoft JhengHei" pitchFamily="34" charset="-120"/>
-                <a:ea typeface="Microsoft JhengHei" pitchFamily="34" charset="-120"/>
-              </a:rPr>
-              <a:t>漫長夜無盡</a:t>
-            </a:r>
-            <a:endParaRPr lang="en-US" sz="4800" b="1" dirty="0">
-              <a:latin typeface="Microsoft JhengHei" pitchFamily="34" charset="-120"/>
-              <a:ea typeface="Microsoft JhengHei" pitchFamily="34" charset="-120"/>
-            </a:endParaRPr>
+            <a:r>
+              <a:rPr lang="zh-CN" altLang="en-US" sz="5400" b="1" i="1" dirty="0" smtClean="0">
+                <a:solidFill>
+                  <a:srgbClr val="660033"/>
+                </a:solidFill>
+                <a:effectLst>
+                  <a:outerShdw blurRad="38100" dist="38100" dir="2700000" algn="tl">
+                    <a:srgbClr val="000000">
+                      <a:alpha val="43137"/>
+                    </a:srgbClr>
+                  </a:outerShdw>
+                </a:effectLst>
+                <a:latin typeface="微軟正黑體" pitchFamily="34" charset="-120"/>
+                <a:ea typeface="微軟正黑體" pitchFamily="34" charset="-120"/>
+              </a:rPr>
+              <a:t>依</a:t>
+            </a:r>
+            <a:r>
+              <a:rPr lang="zh-CN" altLang="en-US" sz="5400" b="1" i="1" dirty="0">
+                <a:solidFill>
+                  <a:srgbClr val="660033"/>
+                </a:solidFill>
+                <a:effectLst>
+                  <a:outerShdw blurRad="38100" dist="38100" dir="2700000" algn="tl">
+                    <a:srgbClr val="000000">
+                      <a:alpha val="43137"/>
+                    </a:srgbClr>
+                  </a:outerShdw>
+                </a:effectLst>
+                <a:latin typeface="微軟正黑體" pitchFamily="34" charset="-120"/>
+                <a:ea typeface="微軟正黑體" pitchFamily="34" charset="-120"/>
+              </a:rPr>
+              <a:t>然</a:t>
+            </a:r>
+            <a:r>
+              <a:rPr lang="zh-TW" altLang="en-US" sz="5400" b="1" i="1" dirty="0">
+                <a:solidFill>
+                  <a:srgbClr val="660033"/>
+                </a:solidFill>
+                <a:effectLst>
+                  <a:outerShdw blurRad="38100" dist="38100" dir="2700000" algn="tl">
+                    <a:srgbClr val="000000">
+                      <a:alpha val="43137"/>
+                    </a:srgbClr>
+                  </a:outerShdw>
+                </a:effectLst>
+                <a:latin typeface="微軟正黑體" pitchFamily="34" charset="-120"/>
+                <a:ea typeface="微軟正黑體" pitchFamily="34" charset="-120"/>
+              </a:rPr>
+              <a:t>愛我</a:t>
+            </a:r>
           </a:p>
         </p:txBody>
       </p:sp>
     </p:spTree>
     <p:extLst>
       <p:ext uri="{BB962C8B-B14F-4D97-AF65-F5344CB8AC3E}">
-        <p14:creationId xmlns:p14="http://schemas.microsoft.com/office/powerpoint/2010/main" val="1994784612"/>
+        <p14:creationId xmlns:p14="http://schemas.microsoft.com/office/powerpoint/2010/main" val="247097201"/>
       </p:ext>
     </p:extLst>
   </p:cSld>
@@ -3227,148 +3176,149 @@
       </p:grpSpPr>
       <p:sp>
         <p:nvSpPr>
-          <p:cNvPr id="2" name="Title 1"/>
-          <p:cNvSpPr>
-            <a:spLocks noGrp="1"/>
-          </p:cNvSpPr>
-          <p:nvPr>
-            <p:ph type="title"/>
-          </p:nvPr>
-        </p:nvSpPr>
-        <p:spPr/>
-        <p:txBody>
-          <a:bodyPr>
+          <p:cNvPr id="5" name="內容版面配置區 4"/>
+          <p:cNvSpPr>
+            <a:spLocks noGrp="1"/>
+          </p:cNvSpPr>
+          <p:nvPr>
+            <p:ph idx="1"/>
+          </p:nvPr>
+        </p:nvSpPr>
+        <p:spPr>
+          <a:xfrm>
+            <a:off x="0" y="1563638"/>
+            <a:ext cx="9144000" cy="1803647"/>
+          </a:xfrm>
+        </p:spPr>
+        <p:txBody>
+          <a:bodyPr anchor="ctr">
             <a:normAutofit/>
           </a:bodyPr>
           <a:lstStyle/>
           <a:p>
-            <a:r>
-              <a:rPr lang="zh-CN" altLang="en-US" sz="4000" b="1" dirty="0">
-                <a:latin typeface="Microsoft JhengHei" pitchFamily="34" charset="-120"/>
-                <a:ea typeface="Microsoft JhengHei" pitchFamily="34" charset="-120"/>
-              </a:rPr>
-              <a:t>依</a:t>
-            </a:r>
-            <a:r>
-              <a:rPr lang="zh-CN" altLang="en-US" sz="4000" b="1" dirty="0" smtClean="0">
-                <a:latin typeface="Microsoft JhengHei" pitchFamily="34" charset="-120"/>
-                <a:ea typeface="Microsoft JhengHei" pitchFamily="34" charset="-120"/>
-              </a:rPr>
-              <a:t>然</a:t>
-            </a:r>
-            <a:r>
-              <a:rPr lang="zh-TW" altLang="en-US" sz="4000" b="1" dirty="0">
-                <a:latin typeface="Microsoft JhengHei" pitchFamily="34" charset="-120"/>
-                <a:ea typeface="Microsoft JhengHei" pitchFamily="34" charset="-120"/>
-              </a:rPr>
-              <a:t>愛我</a:t>
-            </a:r>
-            <a:endParaRPr lang="en-US" sz="4000" b="1" dirty="0">
-              <a:latin typeface="Microsoft JhengHei" pitchFamily="34" charset="-120"/>
-              <a:ea typeface="Microsoft JhengHei" pitchFamily="34" charset="-120"/>
+            <a:pPr algn="ctr">
+              <a:buNone/>
+            </a:pPr>
+            <a:r>
+              <a:rPr lang="zh-TW" altLang="en-US" sz="4800" b="1" dirty="0" smtClean="0">
+                <a:solidFill>
+                  <a:srgbClr val="660033"/>
+                </a:solidFill>
+                <a:latin typeface="微軟正黑體" pitchFamily="34" charset="-120"/>
+                <a:ea typeface="微軟正黑體" pitchFamily="34" charset="-120"/>
+              </a:rPr>
+              <a:t>有</a:t>
+            </a:r>
+            <a:r>
+              <a:rPr lang="zh-TW" altLang="en-US" sz="4800" b="1" dirty="0">
+                <a:solidFill>
+                  <a:srgbClr val="660033"/>
+                </a:solidFill>
+                <a:latin typeface="微軟正黑體" pitchFamily="34" charset="-120"/>
+                <a:ea typeface="微軟正黑體" pitchFamily="34" charset="-120"/>
+              </a:rPr>
+              <a:t>時候我不明</a:t>
+            </a:r>
+            <a:r>
+              <a:rPr lang="zh-TW" altLang="en-US" sz="4800" b="1" dirty="0" smtClean="0">
+                <a:solidFill>
+                  <a:srgbClr val="660033"/>
+                </a:solidFill>
+                <a:latin typeface="微軟正黑體" pitchFamily="34" charset="-120"/>
+                <a:ea typeface="微軟正黑體" pitchFamily="34" charset="-120"/>
+              </a:rPr>
+              <a:t>白</a:t>
+            </a:r>
+            <a:endParaRPr lang="en-US" altLang="zh-TW" sz="4800" b="1" dirty="0">
+              <a:solidFill>
+                <a:srgbClr val="660033"/>
+              </a:solidFill>
+              <a:latin typeface="微軟正黑體" pitchFamily="34" charset="-120"/>
+              <a:ea typeface="微軟正黑體" pitchFamily="34" charset="-120"/>
             </a:endParaRPr>
           </a:p>
-        </p:txBody>
-      </p:sp>
-      <p:sp>
-        <p:nvSpPr>
-          <p:cNvPr id="3" name="Content Placeholder 2"/>
-          <p:cNvSpPr>
-            <a:spLocks noGrp="1"/>
-          </p:cNvSpPr>
-          <p:nvPr>
-            <p:ph idx="1"/>
-          </p:nvPr>
-        </p:nvSpPr>
-        <p:spPr/>
-        <p:txBody>
-          <a:bodyPr>
-            <a:noAutofit/>
+          <a:p>
+            <a:pPr marL="0" indent="0" algn="ctr">
+              <a:buNone/>
+            </a:pPr>
+            <a:r>
+              <a:rPr lang="zh-TW" altLang="en-US" sz="4800" b="1" dirty="0">
+                <a:solidFill>
+                  <a:srgbClr val="660033"/>
+                </a:solidFill>
+                <a:latin typeface="微軟正黑體" pitchFamily="34" charset="-120"/>
+                <a:ea typeface="微軟正黑體" pitchFamily="34" charset="-120"/>
+              </a:rPr>
+              <a:t>為何苦難在生命中 </a:t>
+            </a:r>
+            <a:endParaRPr lang="en-US" altLang="zh-TW" sz="4800" b="1" dirty="0">
+              <a:solidFill>
+                <a:srgbClr val="660033"/>
+              </a:solidFill>
+              <a:latin typeface="微軟正黑體" pitchFamily="34" charset="-120"/>
+              <a:ea typeface="微軟正黑體" pitchFamily="34" charset="-120"/>
+            </a:endParaRPr>
+          </a:p>
+        </p:txBody>
+      </p:sp>
+      <p:sp>
+        <p:nvSpPr>
+          <p:cNvPr id="3" name="TextBox 2"/>
+          <p:cNvSpPr txBox="1"/>
+          <p:nvPr/>
+        </p:nvSpPr>
+        <p:spPr>
+          <a:xfrm>
+            <a:off x="0" y="3867894"/>
+            <a:ext cx="9144000" cy="523220"/>
+          </a:xfrm>
+          <a:prstGeom prst="rect">
+            <a:avLst/>
+          </a:prstGeom>
+          <a:noFill/>
+        </p:spPr>
+        <p:txBody>
+          <a:bodyPr wrap="square" rtlCol="0">
+            <a:spAutoFit/>
           </a:bodyPr>
           <a:lstStyle/>
           <a:p>
-            <a:pPr marL="0" indent="0" algn="ctr">
-              <a:buNone/>
-            </a:pPr>
-            <a:r>
-              <a:rPr lang="zh-TW" altLang="en-US" sz="4800" b="1" dirty="0">
-                <a:latin typeface="Microsoft JhengHei" pitchFamily="34" charset="-120"/>
-                <a:ea typeface="Microsoft JhengHei" pitchFamily="34" charset="-120"/>
-              </a:rPr>
-              <a:t>有時候我不知道 </a:t>
-            </a:r>
-            <a:endParaRPr lang="en-US" altLang="zh-TW" sz="4800" b="1" dirty="0">
-              <a:latin typeface="Microsoft JhengHei" pitchFamily="34" charset="-120"/>
-              <a:ea typeface="Microsoft JhengHei" pitchFamily="34" charset="-120"/>
-            </a:endParaRPr>
-          </a:p>
-          <a:p>
-            <a:pPr marL="0" indent="0" algn="ctr">
-              <a:buNone/>
-            </a:pPr>
-            <a:r>
-              <a:rPr lang="zh-TW" altLang="en-US" sz="4800" b="1" dirty="0">
-                <a:latin typeface="Microsoft JhengHei" pitchFamily="34" charset="-120"/>
-                <a:ea typeface="Microsoft JhengHei" pitchFamily="34" charset="-120"/>
-              </a:rPr>
-              <a:t>還</a:t>
-            </a:r>
-            <a:r>
-              <a:rPr lang="zh-TW" altLang="en-US" sz="4800" b="1" dirty="0">
-                <a:latin typeface="Microsoft JhengHei" pitchFamily="34" charset="-120"/>
-                <a:ea typeface="Microsoft JhengHei" pitchFamily="34" charset="-120"/>
-              </a:rPr>
-              <a:t>要如何繼續禱告 </a:t>
-            </a:r>
-            <a:endParaRPr lang="en-US" altLang="zh-TW" sz="4800" b="1" dirty="0">
-              <a:latin typeface="Microsoft JhengHei" pitchFamily="34" charset="-120"/>
-              <a:ea typeface="Microsoft JhengHei" pitchFamily="34" charset="-120"/>
-            </a:endParaRPr>
-          </a:p>
-          <a:p>
-            <a:pPr marL="0" indent="0" algn="ctr">
-              <a:buNone/>
-            </a:pPr>
-            <a:r>
-              <a:rPr lang="zh-TW" altLang="en-US" sz="4800" b="1" dirty="0">
-                <a:latin typeface="Microsoft JhengHei" pitchFamily="34" charset="-120"/>
-                <a:ea typeface="Microsoft JhengHei" pitchFamily="34" charset="-120"/>
-              </a:rPr>
-              <a:t>親</a:t>
-            </a:r>
-            <a:r>
-              <a:rPr lang="zh-TW" altLang="en-US" sz="4800" b="1" dirty="0">
-                <a:latin typeface="Microsoft JhengHei" pitchFamily="34" charset="-120"/>
-                <a:ea typeface="Microsoft JhengHei" pitchFamily="34" charset="-120"/>
-              </a:rPr>
-              <a:t>愛聖靈求來提升我 </a:t>
-            </a:r>
-            <a:endParaRPr lang="en-US" altLang="zh-TW" sz="4800" b="1" dirty="0">
-              <a:latin typeface="Microsoft JhengHei" pitchFamily="34" charset="-120"/>
-              <a:ea typeface="Microsoft JhengHei" pitchFamily="34" charset="-120"/>
-            </a:endParaRPr>
-          </a:p>
-          <a:p>
-            <a:pPr marL="0" indent="0" algn="ctr">
-              <a:buNone/>
-            </a:pPr>
-            <a:r>
-              <a:rPr lang="zh-TW" altLang="en-US" sz="4800" b="1" dirty="0">
-                <a:latin typeface="Microsoft JhengHei" pitchFamily="34" charset="-120"/>
-                <a:ea typeface="Microsoft JhengHei" pitchFamily="34" charset="-120"/>
-              </a:rPr>
-              <a:t>剛</a:t>
-            </a:r>
-            <a:r>
-              <a:rPr lang="zh-TW" altLang="en-US" sz="4800" b="1" dirty="0">
-                <a:latin typeface="Microsoft JhengHei" pitchFamily="34" charset="-120"/>
-                <a:ea typeface="Microsoft JhengHei" pitchFamily="34" charset="-120"/>
-              </a:rPr>
-              <a:t>強我裡面能力</a:t>
-            </a:r>
-            <a:endParaRPr lang="en-US" sz="4800" b="1" dirty="0">
-              <a:latin typeface="Microsoft JhengHei" pitchFamily="34" charset="-120"/>
-              <a:ea typeface="Microsoft JhengHei" pitchFamily="34" charset="-120"/>
+            <a:pPr algn="ctr"/>
+            <a:r>
+              <a:rPr lang="en-US" sz="2800" b="1" dirty="0" smtClean="0">
+                <a:solidFill>
+                  <a:srgbClr val="660033"/>
+                </a:solidFill>
+                <a:latin typeface="Microsoft JhengHei" panose="020B0604030504040204" pitchFamily="34" charset="-120"/>
+                <a:ea typeface="Microsoft JhengHei" panose="020B0604030504040204" pitchFamily="34" charset="-120"/>
+              </a:rPr>
+              <a:t>( </a:t>
+            </a:r>
+            <a:r>
+              <a:rPr lang="zh-CN" altLang="en-US" sz="2800" b="1" dirty="0" smtClean="0">
+                <a:solidFill>
+                  <a:srgbClr val="660033"/>
+                </a:solidFill>
+                <a:latin typeface="Microsoft JhengHei" panose="020B0604030504040204" pitchFamily="34" charset="-120"/>
+                <a:ea typeface="Microsoft JhengHei" panose="020B0604030504040204" pitchFamily="34" charset="-120"/>
+              </a:rPr>
+              <a:t>正</a:t>
+            </a:r>
+            <a:r>
+              <a:rPr lang="en-US" sz="2800" b="1" dirty="0" smtClean="0">
+                <a:solidFill>
+                  <a:srgbClr val="660033"/>
+                </a:solidFill>
+                <a:latin typeface="Microsoft JhengHei" panose="020B0604030504040204" pitchFamily="34" charset="-120"/>
+                <a:ea typeface="Microsoft JhengHei" panose="020B0604030504040204" pitchFamily="34" charset="-120"/>
+              </a:rPr>
+              <a:t> )</a:t>
+            </a:r>
+            <a:endParaRPr lang="vi-VN" sz="2800" b="1" dirty="0">
+              <a:solidFill>
+                <a:srgbClr val="660033"/>
+              </a:solidFill>
+              <a:ea typeface="Microsoft JhengHei" panose="020B0604030504040204" pitchFamily="34" charset="-120"/>
             </a:endParaRPr>
           </a:p>
         </p:txBody>
@@ -3376,7 +3326,7 @@
     </p:spTree>
     <p:extLst>
       <p:ext uri="{BB962C8B-B14F-4D97-AF65-F5344CB8AC3E}">
-        <p14:creationId xmlns:p14="http://schemas.microsoft.com/office/powerpoint/2010/main" val="4272227125"/>
+        <p14:creationId xmlns:p14="http://schemas.microsoft.com/office/powerpoint/2010/main" val="2051580842"/>
       </p:ext>
     </p:extLst>
   </p:cSld>
@@ -3405,148 +3355,129 @@
       </p:grpSpPr>
       <p:sp>
         <p:nvSpPr>
-          <p:cNvPr id="2" name="Title 1"/>
-          <p:cNvSpPr>
-            <a:spLocks noGrp="1"/>
-          </p:cNvSpPr>
-          <p:nvPr>
-            <p:ph type="title"/>
-          </p:nvPr>
-        </p:nvSpPr>
-        <p:spPr/>
-        <p:txBody>
-          <a:bodyPr>
+          <p:cNvPr id="5" name="內容版面配置區 4"/>
+          <p:cNvSpPr>
+            <a:spLocks noGrp="1"/>
+          </p:cNvSpPr>
+          <p:nvPr>
+            <p:ph idx="1"/>
+          </p:nvPr>
+        </p:nvSpPr>
+        <p:spPr>
+          <a:xfrm>
+            <a:off x="0" y="1563638"/>
+            <a:ext cx="9144000" cy="1803647"/>
+          </a:xfrm>
+        </p:spPr>
+        <p:txBody>
+          <a:bodyPr anchor="ctr">
             <a:normAutofit/>
           </a:bodyPr>
           <a:lstStyle/>
           <a:p>
-            <a:r>
-              <a:rPr lang="zh-CN" altLang="en-US" sz="4000" b="1" dirty="0">
-                <a:latin typeface="Microsoft JhengHei" pitchFamily="34" charset="-120"/>
-                <a:ea typeface="Microsoft JhengHei" pitchFamily="34" charset="-120"/>
-              </a:rPr>
-              <a:t>依</a:t>
-            </a:r>
-            <a:r>
-              <a:rPr lang="zh-CN" altLang="en-US" sz="4000" b="1" dirty="0" smtClean="0">
-                <a:latin typeface="Microsoft JhengHei" pitchFamily="34" charset="-120"/>
-                <a:ea typeface="Microsoft JhengHei" pitchFamily="34" charset="-120"/>
-              </a:rPr>
-              <a:t>然</a:t>
-            </a:r>
-            <a:r>
-              <a:rPr lang="zh-TW" altLang="en-US" sz="4000" b="1" dirty="0">
-                <a:latin typeface="Microsoft JhengHei" pitchFamily="34" charset="-120"/>
-                <a:ea typeface="Microsoft JhengHei" pitchFamily="34" charset="-120"/>
-              </a:rPr>
-              <a:t>愛我</a:t>
-            </a:r>
-            <a:endParaRPr lang="en-US" sz="4000" b="1" dirty="0">
-              <a:latin typeface="Microsoft JhengHei" pitchFamily="34" charset="-120"/>
-              <a:ea typeface="Microsoft JhengHei" pitchFamily="34" charset="-120"/>
+            <a:pPr marL="0" indent="0" algn="ctr">
+              <a:buNone/>
+            </a:pPr>
+            <a:r>
+              <a:rPr lang="zh-TW" altLang="en-US" sz="4800" b="1" dirty="0">
+                <a:solidFill>
+                  <a:srgbClr val="660033"/>
+                </a:solidFill>
+                <a:latin typeface="微軟正黑體" pitchFamily="34" charset="-120"/>
+                <a:ea typeface="微軟正黑體" pitchFamily="34" charset="-120"/>
+              </a:rPr>
+              <a:t>為何祢不將它挪去 </a:t>
+            </a:r>
+            <a:endParaRPr lang="en-US" altLang="zh-TW" sz="4800" b="1" dirty="0">
+              <a:solidFill>
+                <a:srgbClr val="660033"/>
+              </a:solidFill>
+              <a:latin typeface="微軟正黑體" pitchFamily="34" charset="-120"/>
+              <a:ea typeface="微軟正黑體" pitchFamily="34" charset="-120"/>
             </a:endParaRPr>
           </a:p>
-        </p:txBody>
-      </p:sp>
-      <p:sp>
-        <p:nvSpPr>
-          <p:cNvPr id="3" name="Content Placeholder 2"/>
-          <p:cNvSpPr>
-            <a:spLocks noGrp="1"/>
-          </p:cNvSpPr>
-          <p:nvPr>
-            <p:ph idx="1"/>
-          </p:nvPr>
-        </p:nvSpPr>
-        <p:spPr/>
-        <p:txBody>
-          <a:bodyPr>
-            <a:noAutofit/>
+          <a:p>
+            <a:pPr marL="0" indent="0" algn="ctr">
+              <a:buNone/>
+            </a:pPr>
+            <a:r>
+              <a:rPr lang="zh-TW" altLang="en-US" sz="4800" b="1" dirty="0">
+                <a:solidFill>
+                  <a:srgbClr val="660033"/>
+                </a:solidFill>
+                <a:latin typeface="微軟正黑體" pitchFamily="34" charset="-120"/>
+                <a:ea typeface="微軟正黑體" pitchFamily="34" charset="-120"/>
+              </a:rPr>
+              <a:t>漫漫長夜無盡</a:t>
+            </a:r>
+            <a:endParaRPr lang="en-US" sz="4800" b="1" dirty="0">
+              <a:solidFill>
+                <a:srgbClr val="660033"/>
+              </a:solidFill>
+              <a:latin typeface="微軟正黑體" pitchFamily="34" charset="-120"/>
+              <a:ea typeface="微軟正黑體" pitchFamily="34" charset="-120"/>
+            </a:endParaRPr>
+          </a:p>
+        </p:txBody>
+      </p:sp>
+      <p:sp>
+        <p:nvSpPr>
+          <p:cNvPr id="3" name="TextBox 2"/>
+          <p:cNvSpPr txBox="1"/>
+          <p:nvPr/>
+        </p:nvSpPr>
+        <p:spPr>
+          <a:xfrm>
+            <a:off x="0" y="3867894"/>
+            <a:ext cx="9144000" cy="523220"/>
+          </a:xfrm>
+          <a:prstGeom prst="rect">
+            <a:avLst/>
+          </a:prstGeom>
+          <a:noFill/>
+        </p:spPr>
+        <p:txBody>
+          <a:bodyPr wrap="square" rtlCol="0">
+            <a:spAutoFit/>
           </a:bodyPr>
           <a:lstStyle/>
           <a:p>
-            <a:pPr marL="0" indent="0" algn="ctr">
-              <a:buNone/>
-            </a:pPr>
-            <a:r>
-              <a:rPr lang="zh-TW" altLang="en-US" sz="4800" b="1" dirty="0">
-                <a:latin typeface="Microsoft JhengHei" pitchFamily="34" charset="-120"/>
-                <a:ea typeface="Microsoft JhengHei" pitchFamily="34" charset="-120"/>
-              </a:rPr>
-              <a:t>當黑夜沒有盡頭 </a:t>
-            </a:r>
-            <a:endParaRPr lang="en-US" altLang="zh-TW" sz="4800" b="1" dirty="0">
-              <a:latin typeface="Microsoft JhengHei" pitchFamily="34" charset="-120"/>
-              <a:ea typeface="Microsoft JhengHei" pitchFamily="34" charset="-120"/>
-            </a:endParaRPr>
-          </a:p>
-          <a:p>
-            <a:pPr marL="0" indent="0" algn="ctr">
-              <a:buNone/>
-            </a:pPr>
-            <a:r>
-              <a:rPr lang="zh-TW" altLang="en-US" sz="4800" b="1" dirty="0">
-                <a:latin typeface="Microsoft JhengHei" pitchFamily="34" charset="-120"/>
-                <a:ea typeface="Microsoft JhengHei" pitchFamily="34" charset="-120"/>
-              </a:rPr>
-              <a:t>我</a:t>
-            </a:r>
-            <a:r>
-              <a:rPr lang="zh-TW" altLang="en-US" sz="4800" b="1" dirty="0">
-                <a:latin typeface="Microsoft JhengHei" pitchFamily="34" charset="-120"/>
-                <a:ea typeface="Microsoft JhengHei" pitchFamily="34" charset="-120"/>
-              </a:rPr>
-              <a:t>相信你依然愛我 </a:t>
-            </a:r>
-            <a:endParaRPr lang="en-US" altLang="zh-TW" sz="4800" b="1" dirty="0">
-              <a:latin typeface="Microsoft JhengHei" pitchFamily="34" charset="-120"/>
-              <a:ea typeface="Microsoft JhengHei" pitchFamily="34" charset="-120"/>
-            </a:endParaRPr>
-          </a:p>
-          <a:p>
-            <a:pPr marL="0" indent="0" algn="ctr">
-              <a:buNone/>
-            </a:pPr>
-            <a:r>
-              <a:rPr lang="zh-TW" altLang="en-US" sz="4800" b="1" dirty="0">
-                <a:latin typeface="Microsoft JhengHei" pitchFamily="34" charset="-120"/>
-                <a:ea typeface="Microsoft JhengHei" pitchFamily="34" charset="-120"/>
-              </a:rPr>
-              <a:t>給</a:t>
-            </a:r>
-            <a:r>
-              <a:rPr lang="zh-TW" altLang="en-US" sz="4800" b="1" dirty="0">
-                <a:latin typeface="Microsoft JhengHei" pitchFamily="34" charset="-120"/>
-                <a:ea typeface="Microsoft JhengHei" pitchFamily="34" charset="-120"/>
-              </a:rPr>
-              <a:t>我力量給我盼望 </a:t>
-            </a:r>
-            <a:endParaRPr lang="en-US" altLang="zh-TW" sz="4800" b="1" dirty="0">
-              <a:latin typeface="Microsoft JhengHei" pitchFamily="34" charset="-120"/>
-              <a:ea typeface="Microsoft JhengHei" pitchFamily="34" charset="-120"/>
-            </a:endParaRPr>
-          </a:p>
-          <a:p>
-            <a:pPr marL="0" indent="0" algn="ctr">
-              <a:buNone/>
-            </a:pPr>
-            <a:r>
-              <a:rPr lang="zh-TW" altLang="en-US" sz="4800" b="1" dirty="0">
-                <a:latin typeface="Microsoft JhengHei" pitchFamily="34" charset="-120"/>
-                <a:ea typeface="Microsoft JhengHei" pitchFamily="34" charset="-120"/>
-              </a:rPr>
-              <a:t>看</a:t>
-            </a:r>
-            <a:r>
-              <a:rPr lang="zh-TW" altLang="en-US" sz="4800" b="1" dirty="0">
-                <a:latin typeface="Microsoft JhengHei" pitchFamily="34" charset="-120"/>
-                <a:ea typeface="Microsoft JhengHei" pitchFamily="34" charset="-120"/>
-              </a:rPr>
-              <a:t>見光明在不遠前方</a:t>
-            </a:r>
-            <a:endParaRPr lang="en-US" sz="4800" b="1" dirty="0">
-              <a:latin typeface="Microsoft JhengHei" pitchFamily="34" charset="-120"/>
-              <a:ea typeface="Microsoft JhengHei" pitchFamily="34" charset="-120"/>
+            <a:pPr algn="ctr"/>
+            <a:r>
+              <a:rPr lang="en-US" sz="2800" b="1" dirty="0" smtClean="0">
+                <a:solidFill>
+                  <a:srgbClr val="660033"/>
+                </a:solidFill>
+                <a:latin typeface="Microsoft JhengHei" panose="020B0604030504040204" pitchFamily="34" charset="-120"/>
+                <a:ea typeface="Microsoft JhengHei" panose="020B0604030504040204" pitchFamily="34" charset="-120"/>
+              </a:rPr>
+              <a:t>( </a:t>
+            </a:r>
+            <a:r>
+              <a:rPr lang="zh-CN" altLang="en-US" sz="2800" b="1" dirty="0" smtClean="0">
+                <a:solidFill>
+                  <a:srgbClr val="660033"/>
+                </a:solidFill>
+                <a:latin typeface="Microsoft JhengHei" panose="020B0604030504040204" pitchFamily="34" charset="-120"/>
+                <a:ea typeface="Microsoft JhengHei" panose="020B0604030504040204" pitchFamily="34" charset="-120"/>
+              </a:rPr>
+              <a:t>正</a:t>
+            </a:r>
+            <a:r>
+              <a:rPr lang="en-US" sz="2800" b="1" dirty="0" smtClean="0">
+                <a:solidFill>
+                  <a:srgbClr val="660033"/>
+                </a:solidFill>
+                <a:latin typeface="Microsoft JhengHei" panose="020B0604030504040204" pitchFamily="34" charset="-120"/>
+                <a:ea typeface="Microsoft JhengHei" panose="020B0604030504040204" pitchFamily="34" charset="-120"/>
+              </a:rPr>
+              <a:t> )</a:t>
+            </a:r>
+            <a:endParaRPr lang="vi-VN" sz="2800" b="1" dirty="0">
+              <a:solidFill>
+                <a:srgbClr val="660033"/>
+              </a:solidFill>
+              <a:ea typeface="Microsoft JhengHei" panose="020B0604030504040204" pitchFamily="34" charset="-120"/>
             </a:endParaRPr>
           </a:p>
         </p:txBody>
@@ -3554,7 +3485,7 @@
     </p:spTree>
     <p:extLst>
       <p:ext uri="{BB962C8B-B14F-4D97-AF65-F5344CB8AC3E}">
-        <p14:creationId xmlns:p14="http://schemas.microsoft.com/office/powerpoint/2010/main" val="349501787"/>
+        <p14:creationId xmlns:p14="http://schemas.microsoft.com/office/powerpoint/2010/main" val="4048086857"/>
       </p:ext>
     </p:extLst>
   </p:cSld>
@@ -3583,148 +3514,129 @@
       </p:grpSpPr>
       <p:sp>
         <p:nvSpPr>
-          <p:cNvPr id="2" name="Title 1"/>
-          <p:cNvSpPr>
-            <a:spLocks noGrp="1"/>
-          </p:cNvSpPr>
-          <p:nvPr>
-            <p:ph type="title"/>
-          </p:nvPr>
-        </p:nvSpPr>
-        <p:spPr/>
-        <p:txBody>
-          <a:bodyPr>
+          <p:cNvPr id="5" name="內容版面配置區 4"/>
+          <p:cNvSpPr>
+            <a:spLocks noGrp="1"/>
+          </p:cNvSpPr>
+          <p:nvPr>
+            <p:ph idx="1"/>
+          </p:nvPr>
+        </p:nvSpPr>
+        <p:spPr>
+          <a:xfrm>
+            <a:off x="0" y="1563638"/>
+            <a:ext cx="9144000" cy="1803647"/>
+          </a:xfrm>
+        </p:spPr>
+        <p:txBody>
+          <a:bodyPr anchor="ctr">
             <a:normAutofit/>
           </a:bodyPr>
           <a:lstStyle/>
           <a:p>
-            <a:r>
-              <a:rPr lang="zh-CN" altLang="en-US" sz="4000" b="1" dirty="0">
-                <a:latin typeface="Microsoft JhengHei" pitchFamily="34" charset="-120"/>
-                <a:ea typeface="Microsoft JhengHei" pitchFamily="34" charset="-120"/>
-              </a:rPr>
-              <a:t>依</a:t>
-            </a:r>
-            <a:r>
-              <a:rPr lang="zh-CN" altLang="en-US" sz="4000" b="1" dirty="0" smtClean="0">
-                <a:latin typeface="Microsoft JhengHei" pitchFamily="34" charset="-120"/>
-                <a:ea typeface="Microsoft JhengHei" pitchFamily="34" charset="-120"/>
-              </a:rPr>
-              <a:t>然</a:t>
-            </a:r>
-            <a:r>
-              <a:rPr lang="zh-TW" altLang="en-US" sz="4000" b="1" dirty="0">
-                <a:latin typeface="Microsoft JhengHei" pitchFamily="34" charset="-120"/>
-                <a:ea typeface="Microsoft JhengHei" pitchFamily="34" charset="-120"/>
-              </a:rPr>
-              <a:t>愛我</a:t>
-            </a:r>
-            <a:endParaRPr lang="en-US" sz="4000" b="1" dirty="0">
-              <a:latin typeface="Microsoft JhengHei" pitchFamily="34" charset="-120"/>
-              <a:ea typeface="Microsoft JhengHei" pitchFamily="34" charset="-120"/>
+            <a:pPr marL="0" indent="0" algn="ctr">
+              <a:buNone/>
+            </a:pPr>
+            <a:r>
+              <a:rPr lang="zh-TW" altLang="en-US" sz="4800" b="1" dirty="0">
+                <a:solidFill>
+                  <a:srgbClr val="660033"/>
+                </a:solidFill>
+                <a:latin typeface="微軟正黑體" pitchFamily="34" charset="-120"/>
+                <a:ea typeface="微軟正黑體" pitchFamily="34" charset="-120"/>
+              </a:rPr>
+              <a:t>有時候我不知道 </a:t>
+            </a:r>
+            <a:endParaRPr lang="en-US" altLang="zh-TW" sz="4800" b="1" dirty="0">
+              <a:solidFill>
+                <a:srgbClr val="660033"/>
+              </a:solidFill>
+              <a:latin typeface="微軟正黑體" pitchFamily="34" charset="-120"/>
+              <a:ea typeface="微軟正黑體" pitchFamily="34" charset="-120"/>
             </a:endParaRPr>
           </a:p>
-        </p:txBody>
-      </p:sp>
-      <p:sp>
-        <p:nvSpPr>
-          <p:cNvPr id="3" name="Content Placeholder 2"/>
-          <p:cNvSpPr>
-            <a:spLocks noGrp="1"/>
-          </p:cNvSpPr>
-          <p:nvPr>
-            <p:ph idx="1"/>
-          </p:nvPr>
-        </p:nvSpPr>
-        <p:spPr/>
-        <p:txBody>
-          <a:bodyPr>
-            <a:noAutofit/>
+          <a:p>
+            <a:pPr marL="0" indent="0" algn="ctr">
+              <a:buNone/>
+            </a:pPr>
+            <a:r>
+              <a:rPr lang="zh-TW" altLang="en-US" sz="4800" b="1" dirty="0">
+                <a:solidFill>
+                  <a:srgbClr val="660033"/>
+                </a:solidFill>
+                <a:latin typeface="微軟正黑體" pitchFamily="34" charset="-120"/>
+                <a:ea typeface="微軟正黑體" pitchFamily="34" charset="-120"/>
+              </a:rPr>
+              <a:t>還要如何繼續禱告 </a:t>
+            </a:r>
+            <a:endParaRPr lang="en-US" altLang="zh-TW" sz="4800" b="1" dirty="0">
+              <a:solidFill>
+                <a:srgbClr val="660033"/>
+              </a:solidFill>
+              <a:latin typeface="微軟正黑體" pitchFamily="34" charset="-120"/>
+              <a:ea typeface="微軟正黑體" pitchFamily="34" charset="-120"/>
+            </a:endParaRPr>
+          </a:p>
+        </p:txBody>
+      </p:sp>
+      <p:sp>
+        <p:nvSpPr>
+          <p:cNvPr id="3" name="TextBox 2"/>
+          <p:cNvSpPr txBox="1"/>
+          <p:nvPr/>
+        </p:nvSpPr>
+        <p:spPr>
+          <a:xfrm>
+            <a:off x="0" y="3867894"/>
+            <a:ext cx="9144000" cy="523220"/>
+          </a:xfrm>
+          <a:prstGeom prst="rect">
+            <a:avLst/>
+          </a:prstGeom>
+          <a:noFill/>
+        </p:spPr>
+        <p:txBody>
+          <a:bodyPr wrap="square" rtlCol="0">
+            <a:spAutoFit/>
           </a:bodyPr>
           <a:lstStyle/>
           <a:p>
-            <a:pPr marL="0" indent="0" algn="ctr">
-              <a:buNone/>
-            </a:pPr>
-            <a:r>
-              <a:rPr lang="zh-TW" altLang="en-US" sz="4800" b="1" dirty="0">
-                <a:latin typeface="Microsoft JhengHei" pitchFamily="34" charset="-120"/>
-                <a:ea typeface="Microsoft JhengHei" pitchFamily="34" charset="-120"/>
-              </a:rPr>
-              <a:t>高舉雙手讚美 </a:t>
-            </a:r>
-            <a:endParaRPr lang="en-US" altLang="zh-TW" sz="4800" b="1" dirty="0">
-              <a:latin typeface="Microsoft JhengHei" pitchFamily="34" charset="-120"/>
-              <a:ea typeface="Microsoft JhengHei" pitchFamily="34" charset="-120"/>
-            </a:endParaRPr>
-          </a:p>
-          <a:p>
-            <a:pPr marL="0" indent="0" algn="ctr">
-              <a:buNone/>
-            </a:pPr>
-            <a:r>
-              <a:rPr lang="zh-TW" altLang="en-US" sz="4800" b="1" dirty="0">
-                <a:latin typeface="Microsoft JhengHei" pitchFamily="34" charset="-120"/>
-                <a:ea typeface="Microsoft JhengHei" pitchFamily="34" charset="-120"/>
-              </a:rPr>
-              <a:t>試</a:t>
-            </a:r>
-            <a:r>
-              <a:rPr lang="zh-TW" altLang="en-US" sz="4800" b="1" dirty="0">
-                <a:latin typeface="Microsoft JhengHei" pitchFamily="34" charset="-120"/>
-                <a:ea typeface="Microsoft JhengHei" pitchFamily="34" charset="-120"/>
-              </a:rPr>
-              <a:t>煉中仍向主歌唱 </a:t>
-            </a:r>
-            <a:endParaRPr lang="en-US" altLang="zh-TW" sz="4800" b="1" dirty="0">
-              <a:latin typeface="Microsoft JhengHei" pitchFamily="34" charset="-120"/>
-              <a:ea typeface="Microsoft JhengHei" pitchFamily="34" charset="-120"/>
-            </a:endParaRPr>
-          </a:p>
-          <a:p>
-            <a:pPr marL="0" indent="0" algn="ctr">
-              <a:buNone/>
-            </a:pPr>
-            <a:r>
-              <a:rPr lang="zh-TW" altLang="en-US" sz="4800" b="1" dirty="0">
-                <a:latin typeface="Microsoft JhengHei" pitchFamily="34" charset="-120"/>
-                <a:ea typeface="Microsoft JhengHei" pitchFamily="34" charset="-120"/>
-              </a:rPr>
-              <a:t>永</a:t>
-            </a:r>
-            <a:r>
-              <a:rPr lang="zh-TW" altLang="en-US" sz="4800" b="1" dirty="0">
-                <a:latin typeface="Microsoft JhengHei" pitchFamily="34" charset="-120"/>
-                <a:ea typeface="Microsoft JhengHei" pitchFamily="34" charset="-120"/>
-              </a:rPr>
-              <a:t>不灰心 永不沮喪 </a:t>
-            </a:r>
-            <a:endParaRPr lang="en-US" altLang="zh-TW" sz="4800" b="1" dirty="0">
-              <a:latin typeface="Microsoft JhengHei" pitchFamily="34" charset="-120"/>
-              <a:ea typeface="Microsoft JhengHei" pitchFamily="34" charset="-120"/>
-            </a:endParaRPr>
-          </a:p>
-          <a:p>
-            <a:pPr marL="0" indent="0" algn="ctr">
-              <a:buNone/>
-            </a:pPr>
-            <a:r>
-              <a:rPr lang="zh-TW" altLang="en-US" sz="4800" b="1" dirty="0">
-                <a:latin typeface="Microsoft JhengHei" pitchFamily="34" charset="-120"/>
-                <a:ea typeface="Microsoft JhengHei" pitchFamily="34" charset="-120"/>
-              </a:rPr>
-              <a:t>你</a:t>
-            </a:r>
-            <a:r>
-              <a:rPr lang="zh-TW" altLang="en-US" sz="4800" b="1" dirty="0">
-                <a:latin typeface="Microsoft JhengHei" pitchFamily="34" charset="-120"/>
-                <a:ea typeface="Microsoft JhengHei" pitchFamily="34" charset="-120"/>
-              </a:rPr>
-              <a:t>愛使我剛強</a:t>
-            </a:r>
-            <a:endParaRPr lang="en-US" sz="4800" b="1" dirty="0">
-              <a:latin typeface="Microsoft JhengHei" pitchFamily="34" charset="-120"/>
-              <a:ea typeface="Microsoft JhengHei" pitchFamily="34" charset="-120"/>
+            <a:pPr algn="ctr"/>
+            <a:r>
+              <a:rPr lang="en-US" sz="2800" b="1" dirty="0" smtClean="0">
+                <a:solidFill>
+                  <a:srgbClr val="660033"/>
+                </a:solidFill>
+                <a:latin typeface="Microsoft JhengHei" panose="020B0604030504040204" pitchFamily="34" charset="-120"/>
+                <a:ea typeface="Microsoft JhengHei" panose="020B0604030504040204" pitchFamily="34" charset="-120"/>
+              </a:rPr>
+              <a:t>( </a:t>
+            </a:r>
+            <a:r>
+              <a:rPr lang="zh-CN" altLang="en-US" sz="2800" b="1" dirty="0" smtClean="0">
+                <a:solidFill>
+                  <a:srgbClr val="660033"/>
+                </a:solidFill>
+                <a:latin typeface="Microsoft JhengHei" panose="020B0604030504040204" pitchFamily="34" charset="-120"/>
+                <a:ea typeface="Microsoft JhengHei" panose="020B0604030504040204" pitchFamily="34" charset="-120"/>
+              </a:rPr>
+              <a:t>正</a:t>
+            </a:r>
+            <a:r>
+              <a:rPr lang="en-US" sz="2800" b="1" dirty="0" smtClean="0">
+                <a:solidFill>
+                  <a:srgbClr val="660033"/>
+                </a:solidFill>
+                <a:latin typeface="Microsoft JhengHei" panose="020B0604030504040204" pitchFamily="34" charset="-120"/>
+                <a:ea typeface="Microsoft JhengHei" panose="020B0604030504040204" pitchFamily="34" charset="-120"/>
+              </a:rPr>
+              <a:t> )</a:t>
+            </a:r>
+            <a:endParaRPr lang="vi-VN" sz="2800" b="1" dirty="0">
+              <a:solidFill>
+                <a:srgbClr val="660033"/>
+              </a:solidFill>
+              <a:ea typeface="Microsoft JhengHei" panose="020B0604030504040204" pitchFamily="34" charset="-120"/>
             </a:endParaRPr>
           </a:p>
         </p:txBody>
@@ -3732,7 +3644,972 @@
     </p:spTree>
     <p:extLst>
       <p:ext uri="{BB962C8B-B14F-4D97-AF65-F5344CB8AC3E}">
-        <p14:creationId xmlns:p14="http://schemas.microsoft.com/office/powerpoint/2010/main" val="1566390912"/>
+        <p14:creationId xmlns:p14="http://schemas.microsoft.com/office/powerpoint/2010/main" val="1737263068"/>
+      </p:ext>
+    </p:extLst>
+  </p:cSld>
+  <p:clrMapOvr>
+    <a:masterClrMapping/>
+  </p:clrMapOvr>
+</p:sld>
+</file>
+
+<file path=ppt/slides/slide5.xml><?xml version="1.0" encoding="utf-8"?>
+<p:sld xmlns:a="http://schemas.openxmlformats.org/drawingml/2006/main" xmlns:r="http://schemas.openxmlformats.org/officeDocument/2006/relationships" xmlns:p="http://schemas.openxmlformats.org/presentationml/2006/main">
+  <p:cSld>
+    <p:spTree>
+      <p:nvGrpSpPr>
+        <p:cNvPr id="1" name=""/>
+        <p:cNvGrpSpPr/>
+        <p:nvPr/>
+      </p:nvGrpSpPr>
+      <p:grpSpPr>
+        <a:xfrm>
+          <a:off x="0" y="0"/>
+          <a:ext cx="0" cy="0"/>
+          <a:chOff x="0" y="0"/>
+          <a:chExt cx="0" cy="0"/>
+        </a:xfrm>
+      </p:grpSpPr>
+      <p:sp>
+        <p:nvSpPr>
+          <p:cNvPr id="5" name="內容版面配置區 4"/>
+          <p:cNvSpPr>
+            <a:spLocks noGrp="1"/>
+          </p:cNvSpPr>
+          <p:nvPr>
+            <p:ph idx="1"/>
+          </p:nvPr>
+        </p:nvSpPr>
+        <p:spPr>
+          <a:xfrm>
+            <a:off x="0" y="1563638"/>
+            <a:ext cx="9144000" cy="1803647"/>
+          </a:xfrm>
+        </p:spPr>
+        <p:txBody>
+          <a:bodyPr anchor="ctr">
+            <a:normAutofit/>
+          </a:bodyPr>
+          <a:lstStyle/>
+          <a:p>
+            <a:pPr marL="0" indent="0" algn="ctr">
+              <a:buNone/>
+            </a:pPr>
+            <a:r>
+              <a:rPr lang="zh-TW" altLang="en-US" sz="4800" b="1" dirty="0">
+                <a:solidFill>
+                  <a:srgbClr val="660033"/>
+                </a:solidFill>
+                <a:latin typeface="微軟正黑體" pitchFamily="34" charset="-120"/>
+                <a:ea typeface="微軟正黑體" pitchFamily="34" charset="-120"/>
+              </a:rPr>
+              <a:t>親愛聖靈求來提升我 </a:t>
+            </a:r>
+            <a:endParaRPr lang="en-US" altLang="zh-TW" sz="4800" b="1" dirty="0">
+              <a:solidFill>
+                <a:srgbClr val="660033"/>
+              </a:solidFill>
+              <a:latin typeface="微軟正黑體" pitchFamily="34" charset="-120"/>
+              <a:ea typeface="微軟正黑體" pitchFamily="34" charset="-120"/>
+            </a:endParaRPr>
+          </a:p>
+          <a:p>
+            <a:pPr marL="0" indent="0" algn="ctr">
+              <a:buNone/>
+            </a:pPr>
+            <a:r>
+              <a:rPr lang="zh-TW" altLang="en-US" sz="4800" b="1" dirty="0">
+                <a:solidFill>
+                  <a:srgbClr val="660033"/>
+                </a:solidFill>
+                <a:latin typeface="微軟正黑體" pitchFamily="34" charset="-120"/>
+                <a:ea typeface="微軟正黑體" pitchFamily="34" charset="-120"/>
+              </a:rPr>
+              <a:t>剛強我裡面能力</a:t>
+            </a:r>
+            <a:endParaRPr lang="en-US" sz="4800" b="1" dirty="0">
+              <a:solidFill>
+                <a:srgbClr val="660033"/>
+              </a:solidFill>
+              <a:latin typeface="微軟正黑體" pitchFamily="34" charset="-120"/>
+              <a:ea typeface="微軟正黑體" pitchFamily="34" charset="-120"/>
+            </a:endParaRPr>
+          </a:p>
+        </p:txBody>
+      </p:sp>
+      <p:sp>
+        <p:nvSpPr>
+          <p:cNvPr id="3" name="TextBox 2"/>
+          <p:cNvSpPr txBox="1"/>
+          <p:nvPr/>
+        </p:nvSpPr>
+        <p:spPr>
+          <a:xfrm>
+            <a:off x="0" y="3867894"/>
+            <a:ext cx="9144000" cy="523220"/>
+          </a:xfrm>
+          <a:prstGeom prst="rect">
+            <a:avLst/>
+          </a:prstGeom>
+          <a:noFill/>
+        </p:spPr>
+        <p:txBody>
+          <a:bodyPr wrap="square" rtlCol="0">
+            <a:spAutoFit/>
+          </a:bodyPr>
+          <a:lstStyle/>
+          <a:p>
+            <a:pPr algn="ctr"/>
+            <a:r>
+              <a:rPr lang="en-US" sz="2800" b="1" dirty="0" smtClean="0">
+                <a:solidFill>
+                  <a:srgbClr val="660033"/>
+                </a:solidFill>
+                <a:latin typeface="Microsoft JhengHei" panose="020B0604030504040204" pitchFamily="34" charset="-120"/>
+                <a:ea typeface="Microsoft JhengHei" panose="020B0604030504040204" pitchFamily="34" charset="-120"/>
+              </a:rPr>
+              <a:t>( </a:t>
+            </a:r>
+            <a:r>
+              <a:rPr lang="zh-CN" altLang="en-US" sz="2800" b="1" dirty="0" smtClean="0">
+                <a:solidFill>
+                  <a:srgbClr val="660033"/>
+                </a:solidFill>
+                <a:latin typeface="Microsoft JhengHei" panose="020B0604030504040204" pitchFamily="34" charset="-120"/>
+                <a:ea typeface="Microsoft JhengHei" panose="020B0604030504040204" pitchFamily="34" charset="-120"/>
+              </a:rPr>
+              <a:t>正</a:t>
+            </a:r>
+            <a:r>
+              <a:rPr lang="en-US" sz="2800" b="1" dirty="0" smtClean="0">
+                <a:solidFill>
+                  <a:srgbClr val="660033"/>
+                </a:solidFill>
+                <a:latin typeface="Microsoft JhengHei" panose="020B0604030504040204" pitchFamily="34" charset="-120"/>
+                <a:ea typeface="Microsoft JhengHei" panose="020B0604030504040204" pitchFamily="34" charset="-120"/>
+              </a:rPr>
+              <a:t> )</a:t>
+            </a:r>
+            <a:endParaRPr lang="vi-VN" sz="2800" b="1" dirty="0">
+              <a:solidFill>
+                <a:srgbClr val="660033"/>
+              </a:solidFill>
+              <a:ea typeface="Microsoft JhengHei" panose="020B0604030504040204" pitchFamily="34" charset="-120"/>
+            </a:endParaRPr>
+          </a:p>
+        </p:txBody>
+      </p:sp>
+    </p:spTree>
+    <p:extLst>
+      <p:ext uri="{BB962C8B-B14F-4D97-AF65-F5344CB8AC3E}">
+        <p14:creationId xmlns:p14="http://schemas.microsoft.com/office/powerpoint/2010/main" val="116654140"/>
+      </p:ext>
+    </p:extLst>
+  </p:cSld>
+  <p:clrMapOvr>
+    <a:masterClrMapping/>
+  </p:clrMapOvr>
+</p:sld>
+</file>
+
+<file path=ppt/slides/slide6.xml><?xml version="1.0" encoding="utf-8"?>
+<p:sld xmlns:a="http://schemas.openxmlformats.org/drawingml/2006/main" xmlns:r="http://schemas.openxmlformats.org/officeDocument/2006/relationships" xmlns:p="http://schemas.openxmlformats.org/presentationml/2006/main">
+  <p:cSld>
+    <p:spTree>
+      <p:nvGrpSpPr>
+        <p:cNvPr id="1" name=""/>
+        <p:cNvGrpSpPr/>
+        <p:nvPr/>
+      </p:nvGrpSpPr>
+      <p:grpSpPr>
+        <a:xfrm>
+          <a:off x="0" y="0"/>
+          <a:ext cx="0" cy="0"/>
+          <a:chOff x="0" y="0"/>
+          <a:chExt cx="0" cy="0"/>
+        </a:xfrm>
+      </p:grpSpPr>
+      <p:sp>
+        <p:nvSpPr>
+          <p:cNvPr id="5" name="內容版面配置區 4"/>
+          <p:cNvSpPr>
+            <a:spLocks noGrp="1"/>
+          </p:cNvSpPr>
+          <p:nvPr>
+            <p:ph idx="1"/>
+          </p:nvPr>
+        </p:nvSpPr>
+        <p:spPr>
+          <a:xfrm>
+            <a:off x="0" y="1563638"/>
+            <a:ext cx="9144000" cy="1803647"/>
+          </a:xfrm>
+        </p:spPr>
+        <p:txBody>
+          <a:bodyPr anchor="ctr">
+            <a:normAutofit/>
+          </a:bodyPr>
+          <a:lstStyle/>
+          <a:p>
+            <a:pPr marL="0" indent="0" algn="ctr">
+              <a:buNone/>
+            </a:pPr>
+            <a:r>
+              <a:rPr lang="zh-TW" altLang="en-US" sz="4800" b="1" dirty="0">
+                <a:solidFill>
+                  <a:srgbClr val="660033"/>
+                </a:solidFill>
+                <a:latin typeface="微軟正黑體" pitchFamily="34" charset="-120"/>
+                <a:ea typeface="微軟正黑體" pitchFamily="34" charset="-120"/>
+              </a:rPr>
+              <a:t>當黑夜沒有盡</a:t>
+            </a:r>
+            <a:r>
+              <a:rPr lang="zh-TW" altLang="en-US" sz="4800" b="1" dirty="0">
+                <a:solidFill>
+                  <a:srgbClr val="660033"/>
+                </a:solidFill>
+                <a:latin typeface="微軟正黑體" pitchFamily="34" charset="-120"/>
+                <a:ea typeface="微軟正黑體" pitchFamily="34" charset="-120"/>
+              </a:rPr>
+              <a:t>頭</a:t>
+            </a:r>
+            <a:endParaRPr lang="en-US" altLang="zh-TW" sz="4800" b="1" dirty="0">
+              <a:solidFill>
+                <a:srgbClr val="660033"/>
+              </a:solidFill>
+              <a:latin typeface="微軟正黑體" pitchFamily="34" charset="-120"/>
+              <a:ea typeface="微軟正黑體" pitchFamily="34" charset="-120"/>
+            </a:endParaRPr>
+          </a:p>
+          <a:p>
+            <a:pPr marL="0" indent="0" algn="ctr">
+              <a:buNone/>
+            </a:pPr>
+            <a:r>
+              <a:rPr lang="zh-TW" altLang="en-US" sz="4800" b="1" dirty="0">
+                <a:solidFill>
+                  <a:srgbClr val="660033"/>
+                </a:solidFill>
+                <a:latin typeface="微軟正黑體" pitchFamily="34" charset="-120"/>
+                <a:ea typeface="微軟正黑體" pitchFamily="34" charset="-120"/>
+              </a:rPr>
+              <a:t>我相</a:t>
+            </a:r>
+            <a:r>
+              <a:rPr lang="zh-TW" altLang="en-US" sz="4800" b="1" dirty="0" smtClean="0">
+                <a:solidFill>
+                  <a:srgbClr val="660033"/>
+                </a:solidFill>
+                <a:latin typeface="微軟正黑體" pitchFamily="34" charset="-120"/>
+                <a:ea typeface="微軟正黑體" pitchFamily="34" charset="-120"/>
+              </a:rPr>
+              <a:t>信</a:t>
+            </a:r>
+            <a:r>
+              <a:rPr lang="zh-TW" altLang="en-US" sz="4800" b="1" dirty="0">
+                <a:solidFill>
+                  <a:srgbClr val="660033"/>
+                </a:solidFill>
+                <a:latin typeface="微軟正黑體" pitchFamily="34" charset="-120"/>
+                <a:ea typeface="微軟正黑體" pitchFamily="34" charset="-120"/>
+              </a:rPr>
+              <a:t>祢</a:t>
+            </a:r>
+            <a:r>
+              <a:rPr lang="zh-TW" altLang="en-US" sz="4800" b="1" dirty="0" smtClean="0">
+                <a:solidFill>
+                  <a:srgbClr val="660033"/>
+                </a:solidFill>
+                <a:latin typeface="微軟正黑體" pitchFamily="34" charset="-120"/>
+                <a:ea typeface="微軟正黑體" pitchFamily="34" charset="-120"/>
+              </a:rPr>
+              <a:t>依</a:t>
+            </a:r>
+            <a:r>
+              <a:rPr lang="zh-TW" altLang="en-US" sz="4800" b="1" dirty="0">
+                <a:solidFill>
+                  <a:srgbClr val="660033"/>
+                </a:solidFill>
+                <a:latin typeface="微軟正黑體" pitchFamily="34" charset="-120"/>
+                <a:ea typeface="微軟正黑體" pitchFamily="34" charset="-120"/>
+              </a:rPr>
+              <a:t>然愛</a:t>
+            </a:r>
+            <a:r>
+              <a:rPr lang="zh-TW" altLang="en-US" sz="4800" b="1" dirty="0">
+                <a:solidFill>
+                  <a:srgbClr val="660033"/>
+                </a:solidFill>
+                <a:latin typeface="微軟正黑體" pitchFamily="34" charset="-120"/>
+                <a:ea typeface="微軟正黑體" pitchFamily="34" charset="-120"/>
+              </a:rPr>
+              <a:t>我</a:t>
+            </a:r>
+            <a:endParaRPr lang="en-US" altLang="zh-TW" sz="4800" b="1" dirty="0">
+              <a:solidFill>
+                <a:srgbClr val="660033"/>
+              </a:solidFill>
+              <a:latin typeface="微軟正黑體" pitchFamily="34" charset="-120"/>
+              <a:ea typeface="微軟正黑體" pitchFamily="34" charset="-120"/>
+            </a:endParaRPr>
+          </a:p>
+        </p:txBody>
+      </p:sp>
+      <p:sp>
+        <p:nvSpPr>
+          <p:cNvPr id="3" name="TextBox 2"/>
+          <p:cNvSpPr txBox="1"/>
+          <p:nvPr/>
+        </p:nvSpPr>
+        <p:spPr>
+          <a:xfrm>
+            <a:off x="0" y="3867894"/>
+            <a:ext cx="9144000" cy="523220"/>
+          </a:xfrm>
+          <a:prstGeom prst="rect">
+            <a:avLst/>
+          </a:prstGeom>
+          <a:noFill/>
+        </p:spPr>
+        <p:txBody>
+          <a:bodyPr wrap="square" rtlCol="0">
+            <a:spAutoFit/>
+          </a:bodyPr>
+          <a:lstStyle/>
+          <a:p>
+            <a:pPr algn="ctr"/>
+            <a:r>
+              <a:rPr lang="en-US" sz="2800" b="1" dirty="0" smtClean="0">
+                <a:solidFill>
+                  <a:srgbClr val="660033"/>
+                </a:solidFill>
+                <a:latin typeface="Microsoft JhengHei" panose="020B0604030504040204" pitchFamily="34" charset="-120"/>
+                <a:ea typeface="Microsoft JhengHei" panose="020B0604030504040204" pitchFamily="34" charset="-120"/>
+              </a:rPr>
+              <a:t>( </a:t>
+            </a:r>
+            <a:r>
+              <a:rPr lang="zh-CN" altLang="en-US" sz="2800" b="1" dirty="0" smtClean="0">
+                <a:solidFill>
+                  <a:srgbClr val="660033"/>
+                </a:solidFill>
+                <a:latin typeface="Microsoft JhengHei" panose="020B0604030504040204" pitchFamily="34" charset="-120"/>
+                <a:ea typeface="Microsoft JhengHei" panose="020B0604030504040204" pitchFamily="34" charset="-120"/>
+              </a:rPr>
+              <a:t>副</a:t>
+            </a:r>
+            <a:r>
+              <a:rPr lang="en-US" sz="2800" b="1" dirty="0" smtClean="0">
+                <a:solidFill>
+                  <a:srgbClr val="660033"/>
+                </a:solidFill>
+                <a:latin typeface="Microsoft JhengHei" panose="020B0604030504040204" pitchFamily="34" charset="-120"/>
+                <a:ea typeface="Microsoft JhengHei" panose="020B0604030504040204" pitchFamily="34" charset="-120"/>
+              </a:rPr>
+              <a:t> </a:t>
+            </a:r>
+            <a:r>
+              <a:rPr lang="en-US" sz="2800" b="1" dirty="0" smtClean="0">
+                <a:solidFill>
+                  <a:srgbClr val="660033"/>
+                </a:solidFill>
+                <a:latin typeface="Microsoft JhengHei" panose="020B0604030504040204" pitchFamily="34" charset="-120"/>
+                <a:ea typeface="Microsoft JhengHei" panose="020B0604030504040204" pitchFamily="34" charset="-120"/>
+              </a:rPr>
+              <a:t>)</a:t>
+            </a:r>
+            <a:endParaRPr lang="vi-VN" sz="2800" b="1" dirty="0">
+              <a:solidFill>
+                <a:srgbClr val="660033"/>
+              </a:solidFill>
+              <a:ea typeface="Microsoft JhengHei" panose="020B0604030504040204" pitchFamily="34" charset="-120"/>
+            </a:endParaRPr>
+          </a:p>
+        </p:txBody>
+      </p:sp>
+    </p:spTree>
+    <p:extLst>
+      <p:ext uri="{BB962C8B-B14F-4D97-AF65-F5344CB8AC3E}">
+        <p14:creationId xmlns:p14="http://schemas.microsoft.com/office/powerpoint/2010/main" val="3021402169"/>
+      </p:ext>
+    </p:extLst>
+  </p:cSld>
+  <p:clrMapOvr>
+    <a:masterClrMapping/>
+  </p:clrMapOvr>
+</p:sld>
+</file>
+
+<file path=ppt/slides/slide7.xml><?xml version="1.0" encoding="utf-8"?>
+<p:sld xmlns:a="http://schemas.openxmlformats.org/drawingml/2006/main" xmlns:r="http://schemas.openxmlformats.org/officeDocument/2006/relationships" xmlns:p="http://schemas.openxmlformats.org/presentationml/2006/main">
+  <p:cSld>
+    <p:spTree>
+      <p:nvGrpSpPr>
+        <p:cNvPr id="1" name=""/>
+        <p:cNvGrpSpPr/>
+        <p:nvPr/>
+      </p:nvGrpSpPr>
+      <p:grpSpPr>
+        <a:xfrm>
+          <a:off x="0" y="0"/>
+          <a:ext cx="0" cy="0"/>
+          <a:chOff x="0" y="0"/>
+          <a:chExt cx="0" cy="0"/>
+        </a:xfrm>
+      </p:grpSpPr>
+      <p:sp>
+        <p:nvSpPr>
+          <p:cNvPr id="5" name="內容版面配置區 4"/>
+          <p:cNvSpPr>
+            <a:spLocks noGrp="1"/>
+          </p:cNvSpPr>
+          <p:nvPr>
+            <p:ph idx="1"/>
+          </p:nvPr>
+        </p:nvSpPr>
+        <p:spPr>
+          <a:xfrm>
+            <a:off x="0" y="1563638"/>
+            <a:ext cx="9144000" cy="1803647"/>
+          </a:xfrm>
+        </p:spPr>
+        <p:txBody>
+          <a:bodyPr anchor="ctr">
+            <a:normAutofit/>
+          </a:bodyPr>
+          <a:lstStyle/>
+          <a:p>
+            <a:pPr marL="0" indent="0" algn="ctr">
+              <a:buNone/>
+            </a:pPr>
+            <a:r>
+              <a:rPr lang="zh-TW" altLang="en-US" sz="4800" b="1" dirty="0">
+                <a:solidFill>
+                  <a:srgbClr val="660033"/>
+                </a:solidFill>
+                <a:latin typeface="微軟正黑體" pitchFamily="34" charset="-120"/>
+                <a:ea typeface="微軟正黑體" pitchFamily="34" charset="-120"/>
+              </a:rPr>
+              <a:t>給我力量給我盼</a:t>
+            </a:r>
+            <a:r>
+              <a:rPr lang="zh-TW" altLang="en-US" sz="4800" b="1" dirty="0">
+                <a:solidFill>
+                  <a:srgbClr val="660033"/>
+                </a:solidFill>
+                <a:latin typeface="微軟正黑體" pitchFamily="34" charset="-120"/>
+                <a:ea typeface="微軟正黑體" pitchFamily="34" charset="-120"/>
+              </a:rPr>
+              <a:t>望</a:t>
+            </a:r>
+            <a:endParaRPr lang="en-US" altLang="zh-TW" sz="4800" b="1" dirty="0">
+              <a:solidFill>
+                <a:srgbClr val="660033"/>
+              </a:solidFill>
+              <a:latin typeface="微軟正黑體" pitchFamily="34" charset="-120"/>
+              <a:ea typeface="微軟正黑體" pitchFamily="34" charset="-120"/>
+            </a:endParaRPr>
+          </a:p>
+          <a:p>
+            <a:pPr marL="0" indent="0" algn="ctr">
+              <a:buNone/>
+            </a:pPr>
+            <a:r>
+              <a:rPr lang="zh-TW" altLang="en-US" sz="4800" b="1" dirty="0">
+                <a:solidFill>
+                  <a:srgbClr val="660033"/>
+                </a:solidFill>
+                <a:latin typeface="微軟正黑體" pitchFamily="34" charset="-120"/>
+                <a:ea typeface="微軟正黑體" pitchFamily="34" charset="-120"/>
+              </a:rPr>
+              <a:t>看見光明在不遠前方</a:t>
+            </a:r>
+            <a:endParaRPr lang="en-US" sz="4800" b="1" dirty="0">
+              <a:solidFill>
+                <a:srgbClr val="660033"/>
+              </a:solidFill>
+              <a:latin typeface="微軟正黑體" pitchFamily="34" charset="-120"/>
+              <a:ea typeface="微軟正黑體" pitchFamily="34" charset="-120"/>
+            </a:endParaRPr>
+          </a:p>
+        </p:txBody>
+      </p:sp>
+      <p:sp>
+        <p:nvSpPr>
+          <p:cNvPr id="3" name="TextBox 2"/>
+          <p:cNvSpPr txBox="1"/>
+          <p:nvPr/>
+        </p:nvSpPr>
+        <p:spPr>
+          <a:xfrm>
+            <a:off x="0" y="3867894"/>
+            <a:ext cx="9144000" cy="523220"/>
+          </a:xfrm>
+          <a:prstGeom prst="rect">
+            <a:avLst/>
+          </a:prstGeom>
+          <a:noFill/>
+        </p:spPr>
+        <p:txBody>
+          <a:bodyPr wrap="square" rtlCol="0">
+            <a:spAutoFit/>
+          </a:bodyPr>
+          <a:lstStyle/>
+          <a:p>
+            <a:pPr algn="ctr"/>
+            <a:r>
+              <a:rPr lang="en-US" sz="2800" b="1" dirty="0" smtClean="0">
+                <a:solidFill>
+                  <a:srgbClr val="660033"/>
+                </a:solidFill>
+                <a:latin typeface="Microsoft JhengHei" panose="020B0604030504040204" pitchFamily="34" charset="-120"/>
+                <a:ea typeface="Microsoft JhengHei" panose="020B0604030504040204" pitchFamily="34" charset="-120"/>
+              </a:rPr>
+              <a:t>( </a:t>
+            </a:r>
+            <a:r>
+              <a:rPr lang="zh-CN" altLang="en-US" sz="2800" b="1" dirty="0" smtClean="0">
+                <a:solidFill>
+                  <a:srgbClr val="660033"/>
+                </a:solidFill>
+                <a:latin typeface="Microsoft JhengHei" panose="020B0604030504040204" pitchFamily="34" charset="-120"/>
+                <a:ea typeface="Microsoft JhengHei" panose="020B0604030504040204" pitchFamily="34" charset="-120"/>
+              </a:rPr>
+              <a:t>副</a:t>
+            </a:r>
+            <a:r>
+              <a:rPr lang="en-US" sz="2800" b="1" dirty="0" smtClean="0">
+                <a:solidFill>
+                  <a:srgbClr val="660033"/>
+                </a:solidFill>
+                <a:latin typeface="Microsoft JhengHei" panose="020B0604030504040204" pitchFamily="34" charset="-120"/>
+                <a:ea typeface="Microsoft JhengHei" panose="020B0604030504040204" pitchFamily="34" charset="-120"/>
+              </a:rPr>
+              <a:t> </a:t>
+            </a:r>
+            <a:r>
+              <a:rPr lang="en-US" sz="2800" b="1" dirty="0" smtClean="0">
+                <a:solidFill>
+                  <a:srgbClr val="660033"/>
+                </a:solidFill>
+                <a:latin typeface="Microsoft JhengHei" panose="020B0604030504040204" pitchFamily="34" charset="-120"/>
+                <a:ea typeface="Microsoft JhengHei" panose="020B0604030504040204" pitchFamily="34" charset="-120"/>
+              </a:rPr>
+              <a:t>)</a:t>
+            </a:r>
+            <a:endParaRPr lang="vi-VN" sz="2800" b="1" dirty="0">
+              <a:solidFill>
+                <a:srgbClr val="660033"/>
+              </a:solidFill>
+              <a:ea typeface="Microsoft JhengHei" panose="020B0604030504040204" pitchFamily="34" charset="-120"/>
+            </a:endParaRPr>
+          </a:p>
+        </p:txBody>
+      </p:sp>
+    </p:spTree>
+    <p:extLst>
+      <p:ext uri="{BB962C8B-B14F-4D97-AF65-F5344CB8AC3E}">
+        <p14:creationId xmlns:p14="http://schemas.microsoft.com/office/powerpoint/2010/main" val="1302974866"/>
+      </p:ext>
+    </p:extLst>
+  </p:cSld>
+  <p:clrMapOvr>
+    <a:masterClrMapping/>
+  </p:clrMapOvr>
+</p:sld>
+</file>
+
+<file path=ppt/slides/slide8.xml><?xml version="1.0" encoding="utf-8"?>
+<p:sld xmlns:a="http://schemas.openxmlformats.org/drawingml/2006/main" xmlns:r="http://schemas.openxmlformats.org/officeDocument/2006/relationships" xmlns:p="http://schemas.openxmlformats.org/presentationml/2006/main">
+  <p:cSld>
+    <p:spTree>
+      <p:nvGrpSpPr>
+        <p:cNvPr id="1" name=""/>
+        <p:cNvGrpSpPr/>
+        <p:nvPr/>
+      </p:nvGrpSpPr>
+      <p:grpSpPr>
+        <a:xfrm>
+          <a:off x="0" y="0"/>
+          <a:ext cx="0" cy="0"/>
+          <a:chOff x="0" y="0"/>
+          <a:chExt cx="0" cy="0"/>
+        </a:xfrm>
+      </p:grpSpPr>
+      <p:sp>
+        <p:nvSpPr>
+          <p:cNvPr id="5" name="內容版面配置區 4"/>
+          <p:cNvSpPr>
+            <a:spLocks noGrp="1"/>
+          </p:cNvSpPr>
+          <p:nvPr>
+            <p:ph idx="1"/>
+          </p:nvPr>
+        </p:nvSpPr>
+        <p:spPr>
+          <a:xfrm>
+            <a:off x="0" y="1563638"/>
+            <a:ext cx="9144000" cy="1803647"/>
+          </a:xfrm>
+        </p:spPr>
+        <p:txBody>
+          <a:bodyPr anchor="ctr">
+            <a:normAutofit/>
+          </a:bodyPr>
+          <a:lstStyle/>
+          <a:p>
+            <a:pPr marL="0" indent="0" algn="ctr">
+              <a:buNone/>
+            </a:pPr>
+            <a:r>
+              <a:rPr lang="zh-TW" altLang="en-US" sz="4800" b="1" dirty="0">
+                <a:solidFill>
+                  <a:srgbClr val="660033"/>
+                </a:solidFill>
+                <a:latin typeface="微軟正黑體" pitchFamily="34" charset="-120"/>
+                <a:ea typeface="微軟正黑體" pitchFamily="34" charset="-120"/>
+              </a:rPr>
+              <a:t>高舉雙手讚</a:t>
+            </a:r>
+            <a:r>
+              <a:rPr lang="zh-TW" altLang="en-US" sz="4800" b="1" dirty="0">
+                <a:solidFill>
+                  <a:srgbClr val="660033"/>
+                </a:solidFill>
+                <a:latin typeface="微軟正黑體" pitchFamily="34" charset="-120"/>
+                <a:ea typeface="微軟正黑體" pitchFamily="34" charset="-120"/>
+              </a:rPr>
+              <a:t>美</a:t>
+            </a:r>
+            <a:endParaRPr lang="en-US" altLang="zh-TW" sz="4800" b="1" dirty="0">
+              <a:solidFill>
+                <a:srgbClr val="660033"/>
+              </a:solidFill>
+              <a:latin typeface="微軟正黑體" pitchFamily="34" charset="-120"/>
+              <a:ea typeface="微軟正黑體" pitchFamily="34" charset="-120"/>
+            </a:endParaRPr>
+          </a:p>
+          <a:p>
+            <a:pPr marL="0" indent="0" algn="ctr">
+              <a:buNone/>
+            </a:pPr>
+            <a:r>
+              <a:rPr lang="zh-TW" altLang="en-US" sz="4800" b="1" dirty="0">
+                <a:solidFill>
+                  <a:srgbClr val="660033"/>
+                </a:solidFill>
+                <a:latin typeface="微軟正黑體" pitchFamily="34" charset="-120"/>
+                <a:ea typeface="微軟正黑體" pitchFamily="34" charset="-120"/>
+              </a:rPr>
+              <a:t>試煉中仍向主歌</a:t>
+            </a:r>
+            <a:r>
+              <a:rPr lang="zh-TW" altLang="en-US" sz="4800" b="1" dirty="0">
+                <a:solidFill>
+                  <a:srgbClr val="660033"/>
+                </a:solidFill>
+                <a:latin typeface="微軟正黑體" pitchFamily="34" charset="-120"/>
+                <a:ea typeface="微軟正黑體" pitchFamily="34" charset="-120"/>
+              </a:rPr>
+              <a:t>唱</a:t>
+            </a:r>
+            <a:endParaRPr lang="en-US" altLang="zh-TW" sz="4800" b="1" dirty="0">
+              <a:solidFill>
+                <a:srgbClr val="660033"/>
+              </a:solidFill>
+              <a:latin typeface="微軟正黑體" pitchFamily="34" charset="-120"/>
+              <a:ea typeface="微軟正黑體" pitchFamily="34" charset="-120"/>
+            </a:endParaRPr>
+          </a:p>
+        </p:txBody>
+      </p:sp>
+      <p:sp>
+        <p:nvSpPr>
+          <p:cNvPr id="3" name="TextBox 2"/>
+          <p:cNvSpPr txBox="1"/>
+          <p:nvPr/>
+        </p:nvSpPr>
+        <p:spPr>
+          <a:xfrm>
+            <a:off x="0" y="3867894"/>
+            <a:ext cx="9144000" cy="523220"/>
+          </a:xfrm>
+          <a:prstGeom prst="rect">
+            <a:avLst/>
+          </a:prstGeom>
+          <a:noFill/>
+        </p:spPr>
+        <p:txBody>
+          <a:bodyPr wrap="square" rtlCol="0">
+            <a:spAutoFit/>
+          </a:bodyPr>
+          <a:lstStyle/>
+          <a:p>
+            <a:pPr algn="ctr"/>
+            <a:r>
+              <a:rPr lang="en-US" sz="2800" b="1" dirty="0" smtClean="0">
+                <a:solidFill>
+                  <a:srgbClr val="660033"/>
+                </a:solidFill>
+                <a:latin typeface="Microsoft JhengHei" panose="020B0604030504040204" pitchFamily="34" charset="-120"/>
+                <a:ea typeface="Microsoft JhengHei" panose="020B0604030504040204" pitchFamily="34" charset="-120"/>
+              </a:rPr>
+              <a:t>( </a:t>
+            </a:r>
+            <a:r>
+              <a:rPr lang="zh-CN" altLang="en-US" sz="2800" b="1" dirty="0" smtClean="0">
+                <a:solidFill>
+                  <a:srgbClr val="660033"/>
+                </a:solidFill>
+                <a:latin typeface="Microsoft JhengHei" panose="020B0604030504040204" pitchFamily="34" charset="-120"/>
+                <a:ea typeface="Microsoft JhengHei" panose="020B0604030504040204" pitchFamily="34" charset="-120"/>
+              </a:rPr>
+              <a:t>副</a:t>
+            </a:r>
+            <a:r>
+              <a:rPr lang="en-US" sz="2800" b="1" dirty="0" smtClean="0">
+                <a:solidFill>
+                  <a:srgbClr val="660033"/>
+                </a:solidFill>
+                <a:latin typeface="Microsoft JhengHei" panose="020B0604030504040204" pitchFamily="34" charset="-120"/>
+                <a:ea typeface="Microsoft JhengHei" panose="020B0604030504040204" pitchFamily="34" charset="-120"/>
+              </a:rPr>
+              <a:t> </a:t>
+            </a:r>
+            <a:r>
+              <a:rPr lang="en-US" sz="2800" b="1" dirty="0" smtClean="0">
+                <a:solidFill>
+                  <a:srgbClr val="660033"/>
+                </a:solidFill>
+                <a:latin typeface="Microsoft JhengHei" panose="020B0604030504040204" pitchFamily="34" charset="-120"/>
+                <a:ea typeface="Microsoft JhengHei" panose="020B0604030504040204" pitchFamily="34" charset="-120"/>
+              </a:rPr>
+              <a:t>)</a:t>
+            </a:r>
+            <a:endParaRPr lang="vi-VN" sz="2800" b="1" dirty="0">
+              <a:solidFill>
+                <a:srgbClr val="660033"/>
+              </a:solidFill>
+              <a:ea typeface="Microsoft JhengHei" panose="020B0604030504040204" pitchFamily="34" charset="-120"/>
+            </a:endParaRPr>
+          </a:p>
+        </p:txBody>
+      </p:sp>
+    </p:spTree>
+    <p:extLst>
+      <p:ext uri="{BB962C8B-B14F-4D97-AF65-F5344CB8AC3E}">
+        <p14:creationId xmlns:p14="http://schemas.microsoft.com/office/powerpoint/2010/main" val="2452766225"/>
+      </p:ext>
+    </p:extLst>
+  </p:cSld>
+  <p:clrMapOvr>
+    <a:masterClrMapping/>
+  </p:clrMapOvr>
+</p:sld>
+</file>
+
+<file path=ppt/slides/slide9.xml><?xml version="1.0" encoding="utf-8"?>
+<p:sld xmlns:a="http://schemas.openxmlformats.org/drawingml/2006/main" xmlns:r="http://schemas.openxmlformats.org/officeDocument/2006/relationships" xmlns:p="http://schemas.openxmlformats.org/presentationml/2006/main">
+  <p:cSld>
+    <p:spTree>
+      <p:nvGrpSpPr>
+        <p:cNvPr id="1" name=""/>
+        <p:cNvGrpSpPr/>
+        <p:nvPr/>
+      </p:nvGrpSpPr>
+      <p:grpSpPr>
+        <a:xfrm>
+          <a:off x="0" y="0"/>
+          <a:ext cx="0" cy="0"/>
+          <a:chOff x="0" y="0"/>
+          <a:chExt cx="0" cy="0"/>
+        </a:xfrm>
+      </p:grpSpPr>
+      <p:sp>
+        <p:nvSpPr>
+          <p:cNvPr id="5" name="內容版面配置區 4"/>
+          <p:cNvSpPr>
+            <a:spLocks noGrp="1"/>
+          </p:cNvSpPr>
+          <p:nvPr>
+            <p:ph idx="1"/>
+          </p:nvPr>
+        </p:nvSpPr>
+        <p:spPr>
+          <a:xfrm>
+            <a:off x="0" y="1563638"/>
+            <a:ext cx="9144000" cy="1803647"/>
+          </a:xfrm>
+        </p:spPr>
+        <p:txBody>
+          <a:bodyPr anchor="ctr">
+            <a:normAutofit/>
+          </a:bodyPr>
+          <a:lstStyle/>
+          <a:p>
+            <a:pPr marL="0" indent="0" algn="ctr">
+              <a:buNone/>
+            </a:pPr>
+            <a:r>
+              <a:rPr lang="zh-TW" altLang="en-US" sz="4800" b="1" dirty="0">
+                <a:solidFill>
+                  <a:srgbClr val="660033"/>
+                </a:solidFill>
+                <a:latin typeface="微軟正黑體" pitchFamily="34" charset="-120"/>
+                <a:ea typeface="微軟正黑體" pitchFamily="34" charset="-120"/>
+              </a:rPr>
+              <a:t>永不灰</a:t>
+            </a:r>
+            <a:r>
+              <a:rPr lang="zh-TW" altLang="en-US" sz="4800" b="1" dirty="0">
+                <a:solidFill>
+                  <a:srgbClr val="660033"/>
+                </a:solidFill>
+                <a:latin typeface="微軟正黑體" pitchFamily="34" charset="-120"/>
+                <a:ea typeface="微軟正黑體" pitchFamily="34" charset="-120"/>
+              </a:rPr>
+              <a:t>心  永</a:t>
+            </a:r>
+            <a:r>
+              <a:rPr lang="zh-TW" altLang="en-US" sz="4800" b="1" dirty="0">
+                <a:solidFill>
+                  <a:srgbClr val="660033"/>
+                </a:solidFill>
+                <a:latin typeface="微軟正黑體" pitchFamily="34" charset="-120"/>
+                <a:ea typeface="微軟正黑體" pitchFamily="34" charset="-120"/>
+              </a:rPr>
+              <a:t>不沮喪 </a:t>
+            </a:r>
+            <a:endParaRPr lang="en-US" altLang="zh-TW" sz="4800" b="1" dirty="0">
+              <a:solidFill>
+                <a:srgbClr val="660033"/>
+              </a:solidFill>
+              <a:latin typeface="微軟正黑體" pitchFamily="34" charset="-120"/>
+              <a:ea typeface="微軟正黑體" pitchFamily="34" charset="-120"/>
+            </a:endParaRPr>
+          </a:p>
+          <a:p>
+            <a:pPr marL="0" indent="0" algn="ctr">
+              <a:buNone/>
+            </a:pPr>
+            <a:r>
+              <a:rPr lang="zh-TW" altLang="en-US" sz="4800" b="1" dirty="0">
+                <a:solidFill>
+                  <a:srgbClr val="660033"/>
+                </a:solidFill>
+                <a:latin typeface="微軟正黑體" pitchFamily="34" charset="-120"/>
+                <a:ea typeface="微軟正黑體" pitchFamily="34" charset="-120"/>
+              </a:rPr>
+              <a:t>祢</a:t>
+            </a:r>
+            <a:r>
+              <a:rPr lang="zh-TW" altLang="en-US" sz="4800" b="1" dirty="0" smtClean="0">
+                <a:solidFill>
+                  <a:srgbClr val="660033"/>
+                </a:solidFill>
+                <a:latin typeface="微軟正黑體" pitchFamily="34" charset="-120"/>
+                <a:ea typeface="微軟正黑體" pitchFamily="34" charset="-120"/>
+              </a:rPr>
+              <a:t>愛</a:t>
+            </a:r>
+            <a:r>
+              <a:rPr lang="zh-TW" altLang="en-US" sz="4800" b="1" dirty="0">
+                <a:solidFill>
+                  <a:srgbClr val="660033"/>
+                </a:solidFill>
+                <a:latin typeface="微軟正黑體" pitchFamily="34" charset="-120"/>
+                <a:ea typeface="微軟正黑體" pitchFamily="34" charset="-120"/>
+              </a:rPr>
+              <a:t>使我剛強</a:t>
+            </a:r>
+            <a:endParaRPr lang="en-US" sz="4800" b="1" dirty="0">
+              <a:solidFill>
+                <a:srgbClr val="660033"/>
+              </a:solidFill>
+              <a:latin typeface="微軟正黑體" pitchFamily="34" charset="-120"/>
+              <a:ea typeface="微軟正黑體" pitchFamily="34" charset="-120"/>
+            </a:endParaRPr>
+          </a:p>
+        </p:txBody>
+      </p:sp>
+      <p:sp>
+        <p:nvSpPr>
+          <p:cNvPr id="3" name="TextBox 2"/>
+          <p:cNvSpPr txBox="1"/>
+          <p:nvPr/>
+        </p:nvSpPr>
+        <p:spPr>
+          <a:xfrm>
+            <a:off x="0" y="3867894"/>
+            <a:ext cx="9144000" cy="523220"/>
+          </a:xfrm>
+          <a:prstGeom prst="rect">
+            <a:avLst/>
+          </a:prstGeom>
+          <a:noFill/>
+        </p:spPr>
+        <p:txBody>
+          <a:bodyPr wrap="square" rtlCol="0">
+            <a:spAutoFit/>
+          </a:bodyPr>
+          <a:lstStyle/>
+          <a:p>
+            <a:pPr algn="ctr"/>
+            <a:r>
+              <a:rPr lang="en-US" sz="2800" b="1" dirty="0" smtClean="0">
+                <a:solidFill>
+                  <a:srgbClr val="660033"/>
+                </a:solidFill>
+                <a:latin typeface="Microsoft JhengHei" panose="020B0604030504040204" pitchFamily="34" charset="-120"/>
+                <a:ea typeface="Microsoft JhengHei" panose="020B0604030504040204" pitchFamily="34" charset="-120"/>
+              </a:rPr>
+              <a:t>( </a:t>
+            </a:r>
+            <a:r>
+              <a:rPr lang="zh-CN" altLang="en-US" sz="2800" b="1" dirty="0" smtClean="0">
+                <a:solidFill>
+                  <a:srgbClr val="660033"/>
+                </a:solidFill>
+                <a:latin typeface="Microsoft JhengHei" panose="020B0604030504040204" pitchFamily="34" charset="-120"/>
+                <a:ea typeface="Microsoft JhengHei" panose="020B0604030504040204" pitchFamily="34" charset="-120"/>
+              </a:rPr>
+              <a:t>副</a:t>
+            </a:r>
+            <a:r>
+              <a:rPr lang="en-US" sz="2800" b="1" dirty="0" smtClean="0">
+                <a:solidFill>
+                  <a:srgbClr val="660033"/>
+                </a:solidFill>
+                <a:latin typeface="Microsoft JhengHei" panose="020B0604030504040204" pitchFamily="34" charset="-120"/>
+                <a:ea typeface="Microsoft JhengHei" panose="020B0604030504040204" pitchFamily="34" charset="-120"/>
+              </a:rPr>
+              <a:t> </a:t>
+            </a:r>
+            <a:r>
+              <a:rPr lang="en-US" sz="2800" b="1" dirty="0" smtClean="0">
+                <a:solidFill>
+                  <a:srgbClr val="660033"/>
+                </a:solidFill>
+                <a:latin typeface="Microsoft JhengHei" panose="020B0604030504040204" pitchFamily="34" charset="-120"/>
+                <a:ea typeface="Microsoft JhengHei" panose="020B0604030504040204" pitchFamily="34" charset="-120"/>
+              </a:rPr>
+              <a:t>)</a:t>
+            </a:r>
+            <a:endParaRPr lang="vi-VN" sz="2800" b="1" dirty="0">
+              <a:solidFill>
+                <a:srgbClr val="660033"/>
+              </a:solidFill>
+              <a:ea typeface="Microsoft JhengHei" panose="020B0604030504040204" pitchFamily="34" charset="-120"/>
+            </a:endParaRPr>
+          </a:p>
+        </p:txBody>
+      </p:sp>
+    </p:spTree>
+    <p:extLst>
+      <p:ext uri="{BB962C8B-B14F-4D97-AF65-F5344CB8AC3E}">
+        <p14:creationId xmlns:p14="http://schemas.microsoft.com/office/powerpoint/2010/main" val="876142584"/>
       </p:ext>
     </p:extLst>
   </p:cSld>
